--- a/London Bikesharing.pptx
+++ b/London Bikesharing.pptx
@@ -2,14 +2,26 @@
 <file path=ppt/presentation.xml><?xml version="1.0" encoding="utf-8"?>
 <p:presentation xmlns:a="http://schemas.openxmlformats.org/drawingml/2006/main" xmlns:r="http://schemas.openxmlformats.org/officeDocument/2006/relationships" xmlns:p="http://schemas.openxmlformats.org/presentationml/2006/main" autoCompressPictures="0">
   <p:sldMasterIdLst>
-    <p:sldMasterId id="2147483648" r:id="rId1"/>
+    <p:sldMasterId id="2147483648" r:id="rId4"/>
   </p:sldMasterIdLst>
   <p:sldIdLst>
-    <p:sldId id="256" r:id="rId2"/>
-    <p:sldId id="257" r:id="rId3"/>
-    <p:sldId id="258" r:id="rId4"/>
-    <p:sldId id="260" r:id="rId5"/>
-    <p:sldId id="259" r:id="rId6"/>
+    <p:sldId id="256" r:id="rId5"/>
+    <p:sldId id="257" r:id="rId6"/>
+    <p:sldId id="258" r:id="rId7"/>
+    <p:sldId id="260" r:id="rId8"/>
+    <p:sldId id="259" r:id="rId9"/>
+    <p:sldId id="267" r:id="rId10"/>
+    <p:sldId id="268" r:id="rId11"/>
+    <p:sldId id="269" r:id="rId12"/>
+    <p:sldId id="271" r:id="rId13"/>
+    <p:sldId id="272" r:id="rId14"/>
+    <p:sldId id="262" r:id="rId15"/>
+    <p:sldId id="263" r:id="rId16"/>
+    <p:sldId id="270" r:id="rId17"/>
+    <p:sldId id="273" r:id="rId18"/>
+    <p:sldId id="264" r:id="rId19"/>
+    <p:sldId id="265" r:id="rId20"/>
+    <p:sldId id="266" r:id="rId21"/>
   </p:sldIdLst>
   <p:sldSz cx="12192000" cy="6858000"/>
   <p:notesSz cx="6858000" cy="9144000"/>
@@ -108,7 +120,20 @@
       </a:defRPr>
     </a:lvl9pPr>
   </p:defaultTextStyle>
+  <p:extLst>
+    <p:ext uri="{EFAFB233-063F-42B5-8137-9DF3F51BA10A}">
+      <p15:sldGuideLst xmlns:p15="http://schemas.microsoft.com/office/powerpoint/2012/main"/>
+    </p:ext>
+  </p:extLst>
 </p:presentation>
+</file>
+
+<file path=ppt/revisionInfo.xml><?xml version="1.0" encoding="utf-8"?>
+<p1510:revInfo xmlns:a="http://schemas.openxmlformats.org/drawingml/2006/main" xmlns:r="http://schemas.openxmlformats.org/officeDocument/2006/relationships" xmlns:p1510="http://schemas.microsoft.com/office/powerpoint/2015/10/main">
+  <p1510:revLst>
+    <p1510:client id="{2BE8ADEE-F4B1-4A28-AE77-3DD21946FC86}" v="15" dt="2022-12-08T10:05:23.492"/>
+  </p1510:revLst>
+</p1510:revInfo>
 </file>
 
 <file path=ppt/slideLayouts/slideLayout1.xml><?xml version="1.0" encoding="utf-8"?>
@@ -285,7 +310,7 @@
             <a:fld id="{87DE6118-2437-4B30-8E3C-4D2BE6020583}" type="datetimeFigureOut">
               <a:rPr lang="en-US" dirty="0"/>
               <a:pPr/>
-              <a:t>12/7/2022</a:t>
+              <a:t>12/8/2022</a:t>
             </a:fld>
             <a:endParaRPr lang="en-US" dirty="0"/>
           </a:p>
@@ -611,7 +636,7 @@
           <a:p>
             <a:fld id="{87DE6118-2437-4B30-8E3C-4D2BE6020583}" type="datetimeFigureOut">
               <a:rPr lang="en-US" dirty="0"/>
-              <a:t>12/7/2022</a:t>
+              <a:t>12/8/2022</a:t>
             </a:fld>
             <a:endParaRPr lang="en-US" dirty="0"/>
           </a:p>
@@ -786,7 +811,7 @@
           <a:p>
             <a:fld id="{87DE6118-2437-4B30-8E3C-4D2BE6020583}" type="datetimeFigureOut">
               <a:rPr lang="en-US" dirty="0"/>
-              <a:t>12/7/2022</a:t>
+              <a:t>12/8/2022</a:t>
             </a:fld>
             <a:endParaRPr lang="en-US" dirty="0"/>
           </a:p>
@@ -951,7 +976,7 @@
           <a:p>
             <a:fld id="{87DE6118-2437-4B30-8E3C-4D2BE6020583}" type="datetimeFigureOut">
               <a:rPr lang="en-US" dirty="0"/>
-              <a:t>12/7/2022</a:t>
+              <a:t>12/8/2022</a:t>
             </a:fld>
             <a:endParaRPr lang="en-US" dirty="0"/>
           </a:p>
@@ -1224,7 +1249,7 @@
             <a:fld id="{87DE6118-2437-4B30-8E3C-4D2BE6020583}" type="datetimeFigureOut">
               <a:rPr lang="en-US" dirty="0"/>
               <a:pPr/>
-              <a:t>12/7/2022</a:t>
+              <a:t>12/8/2022</a:t>
             </a:fld>
             <a:endParaRPr lang="en-US" dirty="0"/>
           </a:p>
@@ -1614,7 +1639,7 @@
           <a:p>
             <a:fld id="{87DE6118-2437-4B30-8E3C-4D2BE6020583}" type="datetimeFigureOut">
               <a:rPr lang="en-US" dirty="0"/>
-              <a:t>12/7/2022</a:t>
+              <a:t>12/8/2022</a:t>
             </a:fld>
             <a:endParaRPr lang="en-US" dirty="0"/>
           </a:p>
@@ -2086,7 +2111,7 @@
           <a:p>
             <a:fld id="{87DE6118-2437-4B30-8E3C-4D2BE6020583}" type="datetimeFigureOut">
               <a:rPr lang="en-US" dirty="0"/>
-              <a:t>12/7/2022</a:t>
+              <a:t>12/8/2022</a:t>
             </a:fld>
             <a:endParaRPr lang="en-US" dirty="0"/>
           </a:p>
@@ -2199,7 +2224,7 @@
           <a:p>
             <a:fld id="{87DE6118-2437-4B30-8E3C-4D2BE6020583}" type="datetimeFigureOut">
               <a:rPr lang="en-US" dirty="0"/>
-              <a:t>12/7/2022</a:t>
+              <a:t>12/8/2022</a:t>
             </a:fld>
             <a:endParaRPr lang="en-US" dirty="0"/>
           </a:p>
@@ -2289,7 +2314,7 @@
           <a:p>
             <a:fld id="{87DE6118-2437-4B30-8E3C-4D2BE6020583}" type="datetimeFigureOut">
               <a:rPr lang="en-US" dirty="0"/>
-              <a:t>12/7/2022</a:t>
+              <a:t>12/8/2022</a:t>
             </a:fld>
             <a:endParaRPr lang="en-US" dirty="0"/>
           </a:p>
@@ -2631,7 +2656,7 @@
             <a:fld id="{87DE6118-2437-4B30-8E3C-4D2BE6020583}" type="datetimeFigureOut">
               <a:rPr lang="en-US" dirty="0"/>
               <a:pPr/>
-              <a:t>12/7/2022</a:t>
+              <a:t>12/8/2022</a:t>
             </a:fld>
             <a:endParaRPr lang="en-US" dirty="0"/>
           </a:p>
@@ -3016,7 +3041,7 @@
             <a:fld id="{87DE6118-2437-4B30-8E3C-4D2BE6020583}" type="datetimeFigureOut">
               <a:rPr lang="en-US" dirty="0"/>
               <a:pPr/>
-              <a:t>12/7/2022</a:t>
+              <a:t>12/8/2022</a:t>
             </a:fld>
             <a:endParaRPr lang="en-US" dirty="0"/>
           </a:p>
@@ -3291,7 +3316,7 @@
             <a:fld id="{87DE6118-2437-4B30-8E3C-4D2BE6020583}" type="datetimeFigureOut">
               <a:rPr lang="en-US" dirty="0"/>
               <a:pPr/>
-              <a:t>12/7/2022</a:t>
+              <a:t>12/8/2022</a:t>
             </a:fld>
             <a:endParaRPr lang="en-US" dirty="0"/>
           </a:p>
@@ -3889,10 +3914,1917 @@
           </a:p>
         </p:txBody>
       </p:sp>
+      <p:sp>
+        <p:nvSpPr>
+          <p:cNvPr id="4" name="Szövegdoboz 3">
+            <a:extLst>
+              <a:ext uri="{FF2B5EF4-FFF2-40B4-BE49-F238E27FC236}">
+                <a16:creationId xmlns:a16="http://schemas.microsoft.com/office/drawing/2014/main" id="{2AF4E817-0087-B781-8CC6-F9E29CC852F6}"/>
+              </a:ext>
+            </a:extLst>
+          </p:cNvPr>
+          <p:cNvSpPr txBox="1"/>
+          <p:nvPr/>
+        </p:nvSpPr>
+        <p:spPr>
+          <a:xfrm>
+            <a:off x="6593747" y="5754956"/>
+            <a:ext cx="4748169" cy="369332"/>
+          </a:xfrm>
+          <a:prstGeom prst="rect">
+            <a:avLst/>
+          </a:prstGeom>
+          <a:noFill/>
+        </p:spPr>
+        <p:txBody>
+          <a:bodyPr wrap="square" rtlCol="0">
+            <a:spAutoFit/>
+          </a:bodyPr>
+          <a:lstStyle/>
+          <a:p>
+            <a:r>
+              <a:rPr lang="hu-HU" dirty="0">
+                <a:solidFill>
+                  <a:schemeClr val="bg1"/>
+                </a:solidFill>
+              </a:rPr>
+              <a:t>Csilling Tamás</a:t>
+            </a:r>
+          </a:p>
+        </p:txBody>
+      </p:sp>
     </p:spTree>
     <p:extLst>
       <p:ext uri="{BB962C8B-B14F-4D97-AF65-F5344CB8AC3E}">
         <p14:creationId xmlns:p14="http://schemas.microsoft.com/office/powerpoint/2010/main" val="3185159733"/>
+      </p:ext>
+    </p:extLst>
+  </p:cSld>
+  <p:clrMapOvr>
+    <a:masterClrMapping/>
+  </p:clrMapOvr>
+</p:sld>
+</file>
+
+<file path=ppt/slides/slide10.xml><?xml version="1.0" encoding="utf-8"?>
+<p:sld xmlns:a="http://schemas.openxmlformats.org/drawingml/2006/main" xmlns:r="http://schemas.openxmlformats.org/officeDocument/2006/relationships" xmlns:p="http://schemas.openxmlformats.org/presentationml/2006/main">
+  <p:cSld>
+    <p:bg>
+      <p:bgPr>
+        <a:solidFill>
+          <a:schemeClr val="bg2"/>
+        </a:solidFill>
+        <a:effectLst/>
+      </p:bgPr>
+    </p:bg>
+    <p:spTree>
+      <p:nvGrpSpPr>
+        <p:cNvPr id="1" name=""/>
+        <p:cNvGrpSpPr/>
+        <p:nvPr/>
+      </p:nvGrpSpPr>
+      <p:grpSpPr>
+        <a:xfrm>
+          <a:off x="0" y="0"/>
+          <a:ext cx="0" cy="0"/>
+          <a:chOff x="0" y="0"/>
+          <a:chExt cx="0" cy="0"/>
+        </a:xfrm>
+      </p:grpSpPr>
+      <p:sp>
+        <p:nvSpPr>
+          <p:cNvPr id="2" name="Cím 1">
+            <a:extLst>
+              <a:ext uri="{FF2B5EF4-FFF2-40B4-BE49-F238E27FC236}">
+                <a16:creationId xmlns:a16="http://schemas.microsoft.com/office/drawing/2014/main" id="{BD2BE9A0-FADA-CAFC-045B-E88A5D8D86F2}"/>
+              </a:ext>
+            </a:extLst>
+          </p:cNvPr>
+          <p:cNvSpPr>
+            <a:spLocks noGrp="1"/>
+          </p:cNvSpPr>
+          <p:nvPr>
+            <p:ph type="title"/>
+          </p:nvPr>
+        </p:nvSpPr>
+        <p:spPr>
+          <a:xfrm>
+            <a:off x="6389914" y="685800"/>
+            <a:ext cx="5127172" cy="1485900"/>
+          </a:xfrm>
+        </p:spPr>
+        <p:txBody>
+          <a:bodyPr>
+            <a:normAutofit/>
+          </a:bodyPr>
+          <a:lstStyle/>
+          <a:p>
+            <a:endParaRPr lang="hu-HU"/>
+          </a:p>
+        </p:txBody>
+      </p:sp>
+      <p:sp>
+        <p:nvSpPr>
+          <p:cNvPr id="12" name="Rectangle 11">
+            <a:extLst>
+              <a:ext uri="{FF2B5EF4-FFF2-40B4-BE49-F238E27FC236}">
+                <a16:creationId xmlns:a16="http://schemas.microsoft.com/office/drawing/2014/main" id="{1F4C3E1F-F848-429E-A6D6-86E45FBD38E7}"/>
+              </a:ext>
+              <a:ext uri="{C183D7F6-B498-43B3-948B-1728B52AA6E4}">
+                <adec:decorative xmlns:adec="http://schemas.microsoft.com/office/drawing/2017/decorative" val="1"/>
+              </a:ext>
+            </a:extLst>
+          </p:cNvPr>
+          <p:cNvSpPr>
+            <a:spLocks noGrp="1" noRot="1" noChangeAspect="1" noMove="1" noResize="1" noEditPoints="1" noAdjustHandles="1" noChangeArrowheads="1" noChangeShapeType="1" noTextEdit="1"/>
+          </p:cNvSpPr>
+          <p:nvPr>
+            <p:extLst>
+              <p:ext uri="{386F3935-93C4-4BCD-93E2-E3B085C9AB24}">
+                <p16:designElem xmlns:p16="http://schemas.microsoft.com/office/powerpoint/2015/main" val="1"/>
+              </p:ext>
+            </p:extLst>
+          </p:nvPr>
+        </p:nvSpPr>
+        <p:spPr>
+          <a:xfrm>
+            <a:off x="478095" y="376"/>
+            <a:ext cx="228600" cy="6858000"/>
+          </a:xfrm>
+          <a:prstGeom prst="rect">
+            <a:avLst/>
+          </a:prstGeom>
+          <a:solidFill>
+            <a:schemeClr val="tx2"/>
+          </a:solidFill>
+          <a:ln>
+            <a:noFill/>
+          </a:ln>
+        </p:spPr>
+        <p:style>
+          <a:lnRef idx="2">
+            <a:schemeClr val="accent1">
+              <a:shade val="50000"/>
+            </a:schemeClr>
+          </a:lnRef>
+          <a:fillRef idx="1">
+            <a:schemeClr val="accent1"/>
+          </a:fillRef>
+          <a:effectRef idx="0">
+            <a:schemeClr val="accent1"/>
+          </a:effectRef>
+          <a:fontRef idx="minor">
+            <a:schemeClr val="lt1"/>
+          </a:fontRef>
+        </p:style>
+      </p:sp>
+      <p:pic>
+        <p:nvPicPr>
+          <p:cNvPr id="5" name="Tartalom helye 4">
+            <a:extLst>
+              <a:ext uri="{FF2B5EF4-FFF2-40B4-BE49-F238E27FC236}">
+                <a16:creationId xmlns:a16="http://schemas.microsoft.com/office/drawing/2014/main" id="{02C99515-9971-D0BF-03FD-1B0528B3CE8C}"/>
+              </a:ext>
+            </a:extLst>
+          </p:cNvPr>
+          <p:cNvPicPr>
+            <a:picLocks noChangeAspect="1"/>
+          </p:cNvPicPr>
+          <p:nvPr/>
+        </p:nvPicPr>
+        <p:blipFill>
+          <a:blip r:embed="rId2"/>
+          <a:stretch>
+            <a:fillRect/>
+          </a:stretch>
+        </p:blipFill>
+        <p:spPr>
+          <a:xfrm>
+            <a:off x="1280001" y="1219961"/>
+            <a:ext cx="9631997" cy="4647439"/>
+          </a:xfrm>
+          <a:prstGeom prst="rect">
+            <a:avLst/>
+          </a:prstGeom>
+        </p:spPr>
+      </p:pic>
+      <p:sp>
+        <p:nvSpPr>
+          <p:cNvPr id="9" name="Content Placeholder 8">
+            <a:extLst>
+              <a:ext uri="{FF2B5EF4-FFF2-40B4-BE49-F238E27FC236}">
+                <a16:creationId xmlns:a16="http://schemas.microsoft.com/office/drawing/2014/main" id="{7593349C-A499-6090-E826-1D3115F85CED}"/>
+              </a:ext>
+            </a:extLst>
+          </p:cNvPr>
+          <p:cNvSpPr>
+            <a:spLocks noGrp="1"/>
+          </p:cNvSpPr>
+          <p:nvPr>
+            <p:ph idx="1"/>
+          </p:nvPr>
+        </p:nvSpPr>
+        <p:spPr>
+          <a:xfrm>
+            <a:off x="6389914" y="2286000"/>
+            <a:ext cx="5127172" cy="3581400"/>
+          </a:xfrm>
+        </p:spPr>
+        <p:txBody>
+          <a:bodyPr>
+            <a:normAutofit/>
+          </a:bodyPr>
+          <a:lstStyle/>
+          <a:p>
+            <a:endParaRPr lang="en-US"/>
+          </a:p>
+        </p:txBody>
+      </p:sp>
+    </p:spTree>
+    <p:extLst>
+      <p:ext uri="{BB962C8B-B14F-4D97-AF65-F5344CB8AC3E}">
+        <p14:creationId xmlns:p14="http://schemas.microsoft.com/office/powerpoint/2010/main" val="2592492180"/>
+      </p:ext>
+    </p:extLst>
+  </p:cSld>
+  <p:clrMapOvr>
+    <a:masterClrMapping/>
+  </p:clrMapOvr>
+</p:sld>
+</file>
+
+<file path=ppt/slides/slide11.xml><?xml version="1.0" encoding="utf-8"?>
+<p:sld xmlns:a="http://schemas.openxmlformats.org/drawingml/2006/main" xmlns:r="http://schemas.openxmlformats.org/officeDocument/2006/relationships" xmlns:p="http://schemas.openxmlformats.org/presentationml/2006/main">
+  <p:cSld>
+    <p:spTree>
+      <p:nvGrpSpPr>
+        <p:cNvPr id="1" name=""/>
+        <p:cNvGrpSpPr/>
+        <p:nvPr/>
+      </p:nvGrpSpPr>
+      <p:grpSpPr>
+        <a:xfrm>
+          <a:off x="0" y="0"/>
+          <a:ext cx="0" cy="0"/>
+          <a:chOff x="0" y="0"/>
+          <a:chExt cx="0" cy="0"/>
+        </a:xfrm>
+      </p:grpSpPr>
+      <p:sp>
+        <p:nvSpPr>
+          <p:cNvPr id="2" name="Cím 1">
+            <a:extLst>
+              <a:ext uri="{FF2B5EF4-FFF2-40B4-BE49-F238E27FC236}">
+                <a16:creationId xmlns:a16="http://schemas.microsoft.com/office/drawing/2014/main" id="{80D9180F-C96D-6426-5FC7-62E536FE6E27}"/>
+              </a:ext>
+            </a:extLst>
+          </p:cNvPr>
+          <p:cNvSpPr>
+            <a:spLocks noGrp="1"/>
+          </p:cNvSpPr>
+          <p:nvPr>
+            <p:ph type="title"/>
+          </p:nvPr>
+        </p:nvSpPr>
+        <p:spPr/>
+        <p:txBody>
+          <a:bodyPr/>
+          <a:lstStyle/>
+          <a:p>
+            <a:r>
+              <a:rPr lang="hu-HU" dirty="0"/>
+              <a:t>Biciklik igénybevétele</a:t>
+            </a:r>
+          </a:p>
+        </p:txBody>
+      </p:sp>
+      <p:pic>
+        <p:nvPicPr>
+          <p:cNvPr id="5" name="Tartalom helye 4">
+            <a:extLst>
+              <a:ext uri="{FF2B5EF4-FFF2-40B4-BE49-F238E27FC236}">
+                <a16:creationId xmlns:a16="http://schemas.microsoft.com/office/drawing/2014/main" id="{A2A8E770-8CF4-4D30-6EF5-0D88E5BDA969}"/>
+              </a:ext>
+            </a:extLst>
+          </p:cNvPr>
+          <p:cNvPicPr>
+            <a:picLocks noGrp="1" noChangeAspect="1"/>
+          </p:cNvPicPr>
+          <p:nvPr>
+            <p:ph idx="1"/>
+          </p:nvPr>
+        </p:nvPicPr>
+        <p:blipFill>
+          <a:blip r:embed="rId2"/>
+          <a:stretch>
+            <a:fillRect/>
+          </a:stretch>
+        </p:blipFill>
+        <p:spPr>
+          <a:xfrm>
+            <a:off x="1371600" y="1668456"/>
+            <a:ext cx="9601200" cy="2446511"/>
+          </a:xfrm>
+        </p:spPr>
+      </p:pic>
+      <p:pic>
+        <p:nvPicPr>
+          <p:cNvPr id="7" name="Kép 6">
+            <a:extLst>
+              <a:ext uri="{FF2B5EF4-FFF2-40B4-BE49-F238E27FC236}">
+                <a16:creationId xmlns:a16="http://schemas.microsoft.com/office/drawing/2014/main" id="{A3D1CFA5-2ACE-3957-94E5-CDB3B1E6AEE2}"/>
+              </a:ext>
+            </a:extLst>
+          </p:cNvPr>
+          <p:cNvPicPr>
+            <a:picLocks noChangeAspect="1"/>
+          </p:cNvPicPr>
+          <p:nvPr/>
+        </p:nvPicPr>
+        <p:blipFill>
+          <a:blip r:embed="rId3"/>
+          <a:stretch>
+            <a:fillRect/>
+          </a:stretch>
+        </p:blipFill>
+        <p:spPr>
+          <a:xfrm>
+            <a:off x="1371600" y="4254965"/>
+            <a:ext cx="9601196" cy="2446511"/>
+          </a:xfrm>
+          <a:prstGeom prst="rect">
+            <a:avLst/>
+          </a:prstGeom>
+        </p:spPr>
+      </p:pic>
+    </p:spTree>
+    <p:extLst>
+      <p:ext uri="{BB962C8B-B14F-4D97-AF65-F5344CB8AC3E}">
+        <p14:creationId xmlns:p14="http://schemas.microsoft.com/office/powerpoint/2010/main" val="2912466679"/>
+      </p:ext>
+    </p:extLst>
+  </p:cSld>
+  <p:clrMapOvr>
+    <a:masterClrMapping/>
+  </p:clrMapOvr>
+</p:sld>
+</file>
+
+<file path=ppt/slides/slide12.xml><?xml version="1.0" encoding="utf-8"?>
+<p:sld xmlns:a="http://schemas.openxmlformats.org/drawingml/2006/main" xmlns:r="http://schemas.openxmlformats.org/officeDocument/2006/relationships" xmlns:p="http://schemas.openxmlformats.org/presentationml/2006/main">
+  <p:cSld>
+    <p:spTree>
+      <p:nvGrpSpPr>
+        <p:cNvPr id="1" name=""/>
+        <p:cNvGrpSpPr/>
+        <p:nvPr/>
+      </p:nvGrpSpPr>
+      <p:grpSpPr>
+        <a:xfrm>
+          <a:off x="0" y="0"/>
+          <a:ext cx="0" cy="0"/>
+          <a:chOff x="0" y="0"/>
+          <a:chExt cx="0" cy="0"/>
+        </a:xfrm>
+      </p:grpSpPr>
+      <p:sp>
+        <p:nvSpPr>
+          <p:cNvPr id="2" name="Cím 1">
+            <a:extLst>
+              <a:ext uri="{FF2B5EF4-FFF2-40B4-BE49-F238E27FC236}">
+                <a16:creationId xmlns:a16="http://schemas.microsoft.com/office/drawing/2014/main" id="{99F56EDF-3380-4D28-5DB1-7813CF2CD281}"/>
+              </a:ext>
+            </a:extLst>
+          </p:cNvPr>
+          <p:cNvSpPr>
+            <a:spLocks noGrp="1"/>
+          </p:cNvSpPr>
+          <p:nvPr>
+            <p:ph type="title"/>
+          </p:nvPr>
+        </p:nvSpPr>
+        <p:spPr/>
+        <p:txBody>
+          <a:bodyPr/>
+          <a:lstStyle/>
+          <a:p>
+            <a:r>
+              <a:rPr lang="hu-HU" dirty="0"/>
+              <a:t>Top útvonalak</a:t>
+            </a:r>
+          </a:p>
+        </p:txBody>
+      </p:sp>
+      <p:sp>
+        <p:nvSpPr>
+          <p:cNvPr id="3" name="Tartalom helye 2">
+            <a:extLst>
+              <a:ext uri="{FF2B5EF4-FFF2-40B4-BE49-F238E27FC236}">
+                <a16:creationId xmlns:a16="http://schemas.microsoft.com/office/drawing/2014/main" id="{D62A5BB5-6B95-BDC4-F6DF-7CA609D14868}"/>
+              </a:ext>
+            </a:extLst>
+          </p:cNvPr>
+          <p:cNvSpPr>
+            <a:spLocks noGrp="1"/>
+          </p:cNvSpPr>
+          <p:nvPr>
+            <p:ph idx="1"/>
+          </p:nvPr>
+        </p:nvSpPr>
+        <p:spPr/>
+        <p:txBody>
+          <a:bodyPr>
+            <a:noAutofit/>
+          </a:bodyPr>
+          <a:lstStyle/>
+          <a:p>
+            <a:r>
+              <a:rPr lang="hu-HU" sz="1800" b="1" dirty="0"/>
+              <a:t>Hyde Park </a:t>
+            </a:r>
+            <a:r>
+              <a:rPr lang="hu-HU" sz="1800" b="1" dirty="0" err="1"/>
+              <a:t>Corner</a:t>
+            </a:r>
+            <a:r>
+              <a:rPr lang="hu-HU" sz="1800" b="1" dirty="0"/>
+              <a:t>, Hyde Park  -   Hyde Park </a:t>
+            </a:r>
+            <a:r>
+              <a:rPr lang="hu-HU" sz="1800" b="1" dirty="0" err="1"/>
+              <a:t>Corner</a:t>
+            </a:r>
+            <a:r>
+              <a:rPr lang="hu-HU" sz="1800" b="1" dirty="0"/>
+              <a:t>, Hyde Park</a:t>
+            </a:r>
+            <a:r>
+              <a:rPr lang="hu-HU" sz="1800" dirty="0"/>
+              <a:t>: összesen 19628 db bérléssel</a:t>
+            </a:r>
+          </a:p>
+          <a:p>
+            <a:r>
+              <a:rPr lang="hu-HU" sz="1800" b="1" dirty="0" err="1"/>
+              <a:t>Aquatic</a:t>
+            </a:r>
+            <a:r>
+              <a:rPr lang="hu-HU" sz="1800" b="1" dirty="0"/>
+              <a:t> Centre, Queen Elizabeth </a:t>
+            </a:r>
+            <a:r>
+              <a:rPr lang="hu-HU" sz="1800" b="1" dirty="0" err="1"/>
+              <a:t>Olympic</a:t>
+            </a:r>
+            <a:r>
+              <a:rPr lang="hu-HU" sz="1800" b="1" dirty="0"/>
+              <a:t> Park  -   </a:t>
+            </a:r>
+            <a:r>
+              <a:rPr lang="hu-HU" sz="1800" b="1" dirty="0" err="1"/>
+              <a:t>Aquatic</a:t>
+            </a:r>
+            <a:r>
+              <a:rPr lang="hu-HU" sz="1800" b="1" dirty="0"/>
+              <a:t> Centre, Queen Elizabeth </a:t>
+            </a:r>
+            <a:r>
+              <a:rPr lang="hu-HU" sz="1800" b="1" dirty="0" err="1"/>
+              <a:t>Olympic</a:t>
+            </a:r>
+            <a:r>
+              <a:rPr lang="hu-HU" sz="1800" b="1" dirty="0"/>
+              <a:t> </a:t>
+            </a:r>
+            <a:r>
+              <a:rPr lang="hu-HU" sz="1800" dirty="0"/>
+              <a:t>Park: összesen 15798 db bérléssel</a:t>
+            </a:r>
+          </a:p>
+          <a:p>
+            <a:r>
+              <a:rPr lang="hu-HU" sz="1800" b="1" dirty="0"/>
+              <a:t>Albert Gate, Hyde Park  -   Albert Gate, Hyde Park: </a:t>
+            </a:r>
+            <a:r>
+              <a:rPr lang="hu-HU" sz="1800" dirty="0"/>
+              <a:t>összesen 10706 db bérléssel</a:t>
+            </a:r>
+          </a:p>
+          <a:p>
+            <a:r>
+              <a:rPr lang="hu-HU" sz="1800" b="1" dirty="0"/>
+              <a:t>Black </a:t>
+            </a:r>
+            <a:r>
+              <a:rPr lang="hu-HU" sz="1800" b="1" dirty="0" err="1"/>
+              <a:t>Lion</a:t>
+            </a:r>
+            <a:r>
+              <a:rPr lang="hu-HU" sz="1800" b="1" dirty="0"/>
+              <a:t> Gate, </a:t>
+            </a:r>
+            <a:r>
+              <a:rPr lang="hu-HU" sz="1800" b="1" dirty="0" err="1"/>
+              <a:t>Kensington</a:t>
+            </a:r>
+            <a:r>
+              <a:rPr lang="hu-HU" sz="1800" b="1" dirty="0"/>
+              <a:t> </a:t>
+            </a:r>
+            <a:r>
+              <a:rPr lang="hu-HU" sz="1800" b="1" dirty="0" err="1"/>
+              <a:t>Gardens</a:t>
+            </a:r>
+            <a:r>
+              <a:rPr lang="hu-HU" sz="1800" b="1" dirty="0"/>
+              <a:t>  -   Black </a:t>
+            </a:r>
+            <a:r>
+              <a:rPr lang="hu-HU" sz="1800" b="1" dirty="0" err="1"/>
+              <a:t>Lion</a:t>
+            </a:r>
+            <a:r>
+              <a:rPr lang="hu-HU" sz="1800" b="1" dirty="0"/>
+              <a:t> Gate, </a:t>
+            </a:r>
+            <a:r>
+              <a:rPr lang="hu-HU" sz="1800" b="1" dirty="0" err="1"/>
+              <a:t>Kensington</a:t>
+            </a:r>
+            <a:r>
+              <a:rPr lang="hu-HU" sz="1800" b="1" dirty="0"/>
+              <a:t> </a:t>
+            </a:r>
+            <a:r>
+              <a:rPr lang="hu-HU" sz="1800" b="1" dirty="0" err="1"/>
+              <a:t>Gardens</a:t>
+            </a:r>
+            <a:r>
+              <a:rPr lang="hu-HU" sz="1800" b="1" dirty="0"/>
+              <a:t>: </a:t>
+            </a:r>
+            <a:r>
+              <a:rPr lang="hu-HU" sz="1800" dirty="0"/>
+              <a:t>összesen 10364 db bérléssel</a:t>
+            </a:r>
+          </a:p>
+          <a:p>
+            <a:r>
+              <a:rPr lang="hu-HU" sz="1800" b="1" dirty="0" err="1"/>
+              <a:t>Triangle</a:t>
+            </a:r>
+            <a:r>
+              <a:rPr lang="hu-HU" sz="1800" b="1" dirty="0"/>
+              <a:t> </a:t>
+            </a:r>
+            <a:r>
+              <a:rPr lang="hu-HU" sz="1800" b="1" dirty="0" err="1"/>
+              <a:t>Car</a:t>
+            </a:r>
+            <a:r>
+              <a:rPr lang="hu-HU" sz="1800" b="1" dirty="0"/>
+              <a:t> Park, Hyde Park  -   </a:t>
+            </a:r>
+            <a:r>
+              <a:rPr lang="hu-HU" sz="1800" b="1" dirty="0" err="1"/>
+              <a:t>Triangle</a:t>
+            </a:r>
+            <a:r>
+              <a:rPr lang="hu-HU" sz="1800" b="1" dirty="0"/>
+              <a:t> </a:t>
+            </a:r>
+            <a:r>
+              <a:rPr lang="hu-HU" sz="1800" b="1" dirty="0" err="1"/>
+              <a:t>Car</a:t>
+            </a:r>
+            <a:r>
+              <a:rPr lang="hu-HU" sz="1800" b="1" dirty="0"/>
+              <a:t> Park, Hyde Park</a:t>
+            </a:r>
+            <a:r>
+              <a:rPr lang="hu-HU" sz="1800" dirty="0"/>
+              <a:t>: összesen 8694 db bérléssel</a:t>
+            </a:r>
+          </a:p>
+          <a:p>
+            <a:r>
+              <a:rPr lang="hu-HU" sz="1800" b="1" dirty="0"/>
+              <a:t>Park Lane , Hyde Park  -   Park Lane , Hyde Park: </a:t>
+            </a:r>
+            <a:r>
+              <a:rPr lang="hu-HU" sz="1800" dirty="0"/>
+              <a:t>összesen 7533 db bérléssel</a:t>
+            </a:r>
+          </a:p>
+          <a:p>
+            <a:r>
+              <a:rPr lang="hu-HU" sz="1800" dirty="0" err="1"/>
+              <a:t>Podium</a:t>
+            </a:r>
+            <a:r>
+              <a:rPr lang="hu-HU" sz="1800" dirty="0"/>
+              <a:t>, Queen Elizabeth </a:t>
+            </a:r>
+            <a:r>
+              <a:rPr lang="hu-HU" sz="1800" dirty="0" err="1"/>
+              <a:t>Olympic</a:t>
+            </a:r>
+            <a:r>
+              <a:rPr lang="hu-HU" sz="1800" dirty="0"/>
+              <a:t> Park  -   </a:t>
+            </a:r>
+            <a:r>
+              <a:rPr lang="hu-HU" sz="1800" dirty="0" err="1"/>
+              <a:t>Podium</a:t>
+            </a:r>
+            <a:r>
+              <a:rPr lang="hu-HU" sz="1800" dirty="0"/>
+              <a:t>, Queen Elizabeth </a:t>
+            </a:r>
+            <a:r>
+              <a:rPr lang="hu-HU" sz="1800" dirty="0" err="1"/>
+              <a:t>Olympic</a:t>
+            </a:r>
+            <a:r>
+              <a:rPr lang="hu-HU" sz="1800" dirty="0"/>
+              <a:t> Park: összesen 5544 db bérléssel</a:t>
+            </a:r>
+          </a:p>
+        </p:txBody>
+      </p:sp>
+    </p:spTree>
+    <p:extLst>
+      <p:ext uri="{BB962C8B-B14F-4D97-AF65-F5344CB8AC3E}">
+        <p14:creationId xmlns:p14="http://schemas.microsoft.com/office/powerpoint/2010/main" val="2982449751"/>
+      </p:ext>
+    </p:extLst>
+  </p:cSld>
+  <p:clrMapOvr>
+    <a:masterClrMapping/>
+  </p:clrMapOvr>
+</p:sld>
+</file>
+
+<file path=ppt/slides/slide13.xml><?xml version="1.0" encoding="utf-8"?>
+<p:sld xmlns:a="http://schemas.openxmlformats.org/drawingml/2006/main" xmlns:r="http://schemas.openxmlformats.org/officeDocument/2006/relationships" xmlns:p="http://schemas.openxmlformats.org/presentationml/2006/main">
+  <p:cSld>
+    <p:bg>
+      <p:bgPr>
+        <a:solidFill>
+          <a:schemeClr val="bg2"/>
+        </a:solidFill>
+        <a:effectLst/>
+      </p:bgPr>
+    </p:bg>
+    <p:spTree>
+      <p:nvGrpSpPr>
+        <p:cNvPr id="1" name=""/>
+        <p:cNvGrpSpPr/>
+        <p:nvPr/>
+      </p:nvGrpSpPr>
+      <p:grpSpPr>
+        <a:xfrm>
+          <a:off x="0" y="0"/>
+          <a:ext cx="0" cy="0"/>
+          <a:chOff x="0" y="0"/>
+          <a:chExt cx="0" cy="0"/>
+        </a:xfrm>
+      </p:grpSpPr>
+      <p:sp>
+        <p:nvSpPr>
+          <p:cNvPr id="2" name="Cím 1">
+            <a:extLst>
+              <a:ext uri="{FF2B5EF4-FFF2-40B4-BE49-F238E27FC236}">
+                <a16:creationId xmlns:a16="http://schemas.microsoft.com/office/drawing/2014/main" id="{719CEB84-E978-7985-7F5A-8A787AFC1C32}"/>
+              </a:ext>
+            </a:extLst>
+          </p:cNvPr>
+          <p:cNvSpPr>
+            <a:spLocks noGrp="1"/>
+          </p:cNvSpPr>
+          <p:nvPr>
+            <p:ph type="title"/>
+          </p:nvPr>
+        </p:nvSpPr>
+        <p:spPr>
+          <a:xfrm>
+            <a:off x="7860667" y="685800"/>
+            <a:ext cx="3656419" cy="1485900"/>
+          </a:xfrm>
+        </p:spPr>
+        <p:txBody>
+          <a:bodyPr>
+            <a:normAutofit/>
+          </a:bodyPr>
+          <a:lstStyle/>
+          <a:p>
+            <a:r>
+              <a:rPr lang="hu-HU" dirty="0"/>
+              <a:t>KMEANS</a:t>
+            </a:r>
+          </a:p>
+        </p:txBody>
+      </p:sp>
+      <p:sp>
+        <p:nvSpPr>
+          <p:cNvPr id="12" name="Rectangle 11">
+            <a:extLst>
+              <a:ext uri="{FF2B5EF4-FFF2-40B4-BE49-F238E27FC236}">
+                <a16:creationId xmlns:a16="http://schemas.microsoft.com/office/drawing/2014/main" id="{5A4829B7-47EE-4685-ADC0-DE464C22A58B}"/>
+              </a:ext>
+              <a:ext uri="{C183D7F6-B498-43B3-948B-1728B52AA6E4}">
+                <adec:decorative xmlns:adec="http://schemas.microsoft.com/office/drawing/2017/decorative" val="1"/>
+              </a:ext>
+            </a:extLst>
+          </p:cNvPr>
+          <p:cNvSpPr>
+            <a:spLocks noGrp="1" noRot="1" noChangeAspect="1" noMove="1" noResize="1" noEditPoints="1" noAdjustHandles="1" noChangeArrowheads="1" noChangeShapeType="1" noTextEdit="1"/>
+          </p:cNvSpPr>
+          <p:nvPr>
+            <p:extLst>
+              <p:ext uri="{386F3935-93C4-4BCD-93E2-E3B085C9AB24}">
+                <p16:designElem xmlns:p16="http://schemas.microsoft.com/office/powerpoint/2015/main" val="1"/>
+              </p:ext>
+            </p:extLst>
+          </p:nvPr>
+        </p:nvSpPr>
+        <p:spPr>
+          <a:xfrm>
+            <a:off x="478095" y="376"/>
+            <a:ext cx="228600" cy="6858000"/>
+          </a:xfrm>
+          <a:prstGeom prst="rect">
+            <a:avLst/>
+          </a:prstGeom>
+          <a:solidFill>
+            <a:schemeClr val="tx2"/>
+          </a:solidFill>
+          <a:ln>
+            <a:noFill/>
+          </a:ln>
+        </p:spPr>
+        <p:style>
+          <a:lnRef idx="2">
+            <a:schemeClr val="accent1">
+              <a:shade val="50000"/>
+            </a:schemeClr>
+          </a:lnRef>
+          <a:fillRef idx="1">
+            <a:schemeClr val="accent1"/>
+          </a:fillRef>
+          <a:effectRef idx="0">
+            <a:schemeClr val="accent1"/>
+          </a:effectRef>
+          <a:fontRef idx="minor">
+            <a:schemeClr val="lt1"/>
+          </a:fontRef>
+        </p:style>
+      </p:sp>
+      <p:pic>
+        <p:nvPicPr>
+          <p:cNvPr id="5" name="Tartalom helye 4">
+            <a:extLst>
+              <a:ext uri="{FF2B5EF4-FFF2-40B4-BE49-F238E27FC236}">
+                <a16:creationId xmlns:a16="http://schemas.microsoft.com/office/drawing/2014/main" id="{DD38F67A-8BDD-5791-4853-D2062FB45D20}"/>
+              </a:ext>
+            </a:extLst>
+          </p:cNvPr>
+          <p:cNvPicPr>
+            <a:picLocks noChangeAspect="1"/>
+          </p:cNvPicPr>
+          <p:nvPr/>
+        </p:nvPicPr>
+        <p:blipFill>
+          <a:blip r:embed="rId2"/>
+          <a:stretch>
+            <a:fillRect/>
+          </a:stretch>
+        </p:blipFill>
+        <p:spPr>
+          <a:xfrm>
+            <a:off x="1023561" y="930982"/>
+            <a:ext cx="6517065" cy="4675994"/>
+          </a:xfrm>
+          <a:prstGeom prst="rect">
+            <a:avLst/>
+          </a:prstGeom>
+        </p:spPr>
+      </p:pic>
+      <p:sp>
+        <p:nvSpPr>
+          <p:cNvPr id="9" name="Content Placeholder 8">
+            <a:extLst>
+              <a:ext uri="{FF2B5EF4-FFF2-40B4-BE49-F238E27FC236}">
+                <a16:creationId xmlns:a16="http://schemas.microsoft.com/office/drawing/2014/main" id="{6B80394D-2158-0ECD-A66F-6ACAB8625313}"/>
+              </a:ext>
+            </a:extLst>
+          </p:cNvPr>
+          <p:cNvSpPr>
+            <a:spLocks noGrp="1"/>
+          </p:cNvSpPr>
+          <p:nvPr>
+            <p:ph idx="1"/>
+          </p:nvPr>
+        </p:nvSpPr>
+        <p:spPr>
+          <a:xfrm>
+            <a:off x="7860667" y="2286000"/>
+            <a:ext cx="3656419" cy="3581400"/>
+          </a:xfrm>
+        </p:spPr>
+        <p:txBody>
+          <a:bodyPr>
+            <a:normAutofit/>
+          </a:bodyPr>
+          <a:lstStyle/>
+          <a:p>
+            <a:r>
+              <a:rPr lang="hu-HU" dirty="0"/>
+              <a:t>Nem válik szét olyan egyértelműen</a:t>
+            </a:r>
+            <a:endParaRPr lang="en-US" dirty="0"/>
+          </a:p>
+        </p:txBody>
+      </p:sp>
+    </p:spTree>
+    <p:extLst>
+      <p:ext uri="{BB962C8B-B14F-4D97-AF65-F5344CB8AC3E}">
+        <p14:creationId xmlns:p14="http://schemas.microsoft.com/office/powerpoint/2010/main" val="3584816441"/>
+      </p:ext>
+    </p:extLst>
+  </p:cSld>
+  <p:clrMapOvr>
+    <a:masterClrMapping/>
+  </p:clrMapOvr>
+</p:sld>
+</file>
+
+<file path=ppt/slides/slide14.xml><?xml version="1.0" encoding="utf-8"?>
+<p:sld xmlns:a="http://schemas.openxmlformats.org/drawingml/2006/main" xmlns:r="http://schemas.openxmlformats.org/officeDocument/2006/relationships" xmlns:p="http://schemas.openxmlformats.org/presentationml/2006/main">
+  <p:cSld>
+    <p:bg>
+      <p:bgPr>
+        <a:solidFill>
+          <a:schemeClr val="bg2"/>
+        </a:solidFill>
+        <a:effectLst/>
+      </p:bgPr>
+    </p:bg>
+    <p:spTree>
+      <p:nvGrpSpPr>
+        <p:cNvPr id="1" name=""/>
+        <p:cNvGrpSpPr/>
+        <p:nvPr/>
+      </p:nvGrpSpPr>
+      <p:grpSpPr>
+        <a:xfrm>
+          <a:off x="0" y="0"/>
+          <a:ext cx="0" cy="0"/>
+          <a:chOff x="0" y="0"/>
+          <a:chExt cx="0" cy="0"/>
+        </a:xfrm>
+      </p:grpSpPr>
+      <p:sp>
+        <p:nvSpPr>
+          <p:cNvPr id="2" name="Cím 1">
+            <a:extLst>
+              <a:ext uri="{FF2B5EF4-FFF2-40B4-BE49-F238E27FC236}">
+                <a16:creationId xmlns:a16="http://schemas.microsoft.com/office/drawing/2014/main" id="{719CEB84-E978-7985-7F5A-8A787AFC1C32}"/>
+              </a:ext>
+            </a:extLst>
+          </p:cNvPr>
+          <p:cNvSpPr>
+            <a:spLocks noGrp="1"/>
+          </p:cNvSpPr>
+          <p:nvPr>
+            <p:ph type="title"/>
+          </p:nvPr>
+        </p:nvSpPr>
+        <p:spPr>
+          <a:xfrm>
+            <a:off x="7860667" y="685800"/>
+            <a:ext cx="3656419" cy="1485900"/>
+          </a:xfrm>
+        </p:spPr>
+        <p:txBody>
+          <a:bodyPr>
+            <a:normAutofit/>
+          </a:bodyPr>
+          <a:lstStyle/>
+          <a:p>
+            <a:r>
+              <a:rPr lang="hu-HU" dirty="0"/>
+              <a:t>KMEANS</a:t>
+            </a:r>
+          </a:p>
+        </p:txBody>
+      </p:sp>
+      <p:sp>
+        <p:nvSpPr>
+          <p:cNvPr id="12" name="Rectangle 11">
+            <a:extLst>
+              <a:ext uri="{FF2B5EF4-FFF2-40B4-BE49-F238E27FC236}">
+                <a16:creationId xmlns:a16="http://schemas.microsoft.com/office/drawing/2014/main" id="{5A4829B7-47EE-4685-ADC0-DE464C22A58B}"/>
+              </a:ext>
+              <a:ext uri="{C183D7F6-B498-43B3-948B-1728B52AA6E4}">
+                <adec:decorative xmlns:adec="http://schemas.microsoft.com/office/drawing/2017/decorative" val="1"/>
+              </a:ext>
+            </a:extLst>
+          </p:cNvPr>
+          <p:cNvSpPr>
+            <a:spLocks noGrp="1" noRot="1" noChangeAspect="1" noMove="1" noResize="1" noEditPoints="1" noAdjustHandles="1" noChangeArrowheads="1" noChangeShapeType="1" noTextEdit="1"/>
+          </p:cNvSpPr>
+          <p:nvPr>
+            <p:extLst>
+              <p:ext uri="{386F3935-93C4-4BCD-93E2-E3B085C9AB24}">
+                <p16:designElem xmlns:p16="http://schemas.microsoft.com/office/powerpoint/2015/main" val="1"/>
+              </p:ext>
+            </p:extLst>
+          </p:nvPr>
+        </p:nvSpPr>
+        <p:spPr>
+          <a:xfrm>
+            <a:off x="478095" y="376"/>
+            <a:ext cx="228600" cy="6858000"/>
+          </a:xfrm>
+          <a:prstGeom prst="rect">
+            <a:avLst/>
+          </a:prstGeom>
+          <a:solidFill>
+            <a:schemeClr val="tx2"/>
+          </a:solidFill>
+          <a:ln>
+            <a:noFill/>
+          </a:ln>
+        </p:spPr>
+        <p:style>
+          <a:lnRef idx="2">
+            <a:schemeClr val="accent1">
+              <a:shade val="50000"/>
+            </a:schemeClr>
+          </a:lnRef>
+          <a:fillRef idx="1">
+            <a:schemeClr val="accent1"/>
+          </a:fillRef>
+          <a:effectRef idx="0">
+            <a:schemeClr val="accent1"/>
+          </a:effectRef>
+          <a:fontRef idx="minor">
+            <a:schemeClr val="lt1"/>
+          </a:fontRef>
+        </p:style>
+      </p:sp>
+      <p:sp>
+        <p:nvSpPr>
+          <p:cNvPr id="9" name="Content Placeholder 8">
+            <a:extLst>
+              <a:ext uri="{FF2B5EF4-FFF2-40B4-BE49-F238E27FC236}">
+                <a16:creationId xmlns:a16="http://schemas.microsoft.com/office/drawing/2014/main" id="{6B80394D-2158-0ECD-A66F-6ACAB8625313}"/>
+              </a:ext>
+            </a:extLst>
+          </p:cNvPr>
+          <p:cNvSpPr>
+            <a:spLocks noGrp="1"/>
+          </p:cNvSpPr>
+          <p:nvPr>
+            <p:ph idx="1"/>
+          </p:nvPr>
+        </p:nvSpPr>
+        <p:spPr>
+          <a:xfrm>
+            <a:off x="7860667" y="2286000"/>
+            <a:ext cx="3656419" cy="3581400"/>
+          </a:xfrm>
+        </p:spPr>
+        <p:txBody>
+          <a:bodyPr>
+            <a:normAutofit/>
+          </a:bodyPr>
+          <a:lstStyle/>
+          <a:p>
+            <a:r>
+              <a:rPr lang="hu-HU" dirty="0"/>
+              <a:t>Nem válik szét olyan egyértelműen</a:t>
+            </a:r>
+          </a:p>
+          <a:p>
+            <a:r>
+              <a:rPr lang="hu-HU" dirty="0"/>
+              <a:t>Főleg a hőmérséklet választja szét a bérléseket</a:t>
+            </a:r>
+            <a:endParaRPr lang="en-US" dirty="0"/>
+          </a:p>
+        </p:txBody>
+      </p:sp>
+      <p:pic>
+        <p:nvPicPr>
+          <p:cNvPr id="4" name="Kép 3">
+            <a:extLst>
+              <a:ext uri="{FF2B5EF4-FFF2-40B4-BE49-F238E27FC236}">
+                <a16:creationId xmlns:a16="http://schemas.microsoft.com/office/drawing/2014/main" id="{22301B6B-9640-F3BD-9413-EE439B97A04B}"/>
+              </a:ext>
+            </a:extLst>
+          </p:cNvPr>
+          <p:cNvPicPr>
+            <a:picLocks noChangeAspect="1"/>
+          </p:cNvPicPr>
+          <p:nvPr/>
+        </p:nvPicPr>
+        <p:blipFill>
+          <a:blip r:embed="rId2"/>
+          <a:stretch>
+            <a:fillRect/>
+          </a:stretch>
+        </p:blipFill>
+        <p:spPr>
+          <a:xfrm>
+            <a:off x="1345593" y="731514"/>
+            <a:ext cx="5376683" cy="5394971"/>
+          </a:xfrm>
+          <a:prstGeom prst="rect">
+            <a:avLst/>
+          </a:prstGeom>
+        </p:spPr>
+      </p:pic>
+    </p:spTree>
+    <p:extLst>
+      <p:ext uri="{BB962C8B-B14F-4D97-AF65-F5344CB8AC3E}">
+        <p14:creationId xmlns:p14="http://schemas.microsoft.com/office/powerpoint/2010/main" val="772065551"/>
+      </p:ext>
+    </p:extLst>
+  </p:cSld>
+  <p:clrMapOvr>
+    <a:masterClrMapping/>
+  </p:clrMapOvr>
+</p:sld>
+</file>
+
+<file path=ppt/slides/slide15.xml><?xml version="1.0" encoding="utf-8"?>
+<p:sld xmlns:a="http://schemas.openxmlformats.org/drawingml/2006/main" xmlns:r="http://schemas.openxmlformats.org/officeDocument/2006/relationships" xmlns:p="http://schemas.openxmlformats.org/presentationml/2006/main">
+  <p:cSld>
+    <p:bg>
+      <p:bgPr>
+        <a:solidFill>
+          <a:schemeClr val="accent1"/>
+        </a:solidFill>
+        <a:effectLst/>
+      </p:bgPr>
+    </p:bg>
+    <p:spTree>
+      <p:nvGrpSpPr>
+        <p:cNvPr id="1" name=""/>
+        <p:cNvGrpSpPr/>
+        <p:nvPr/>
+      </p:nvGrpSpPr>
+      <p:grpSpPr>
+        <a:xfrm>
+          <a:off x="0" y="0"/>
+          <a:ext cx="0" cy="0"/>
+          <a:chOff x="0" y="0"/>
+          <a:chExt cx="0" cy="0"/>
+        </a:xfrm>
+      </p:grpSpPr>
+      <p:grpSp>
+        <p:nvGrpSpPr>
+          <p:cNvPr id="10" name="Group 9">
+            <a:extLst>
+              <a:ext uri="{FF2B5EF4-FFF2-40B4-BE49-F238E27FC236}">
+                <a16:creationId xmlns:a16="http://schemas.microsoft.com/office/drawing/2014/main" id="{B0245FC1-669A-4558-8341-5A7148C77A22}"/>
+              </a:ext>
+              <a:ext uri="{C183D7F6-B498-43B3-948B-1728B52AA6E4}">
+                <adec:decorative xmlns:adec="http://schemas.microsoft.com/office/drawing/2017/decorative" val="1"/>
+              </a:ext>
+            </a:extLst>
+          </p:cNvPr>
+          <p:cNvGrpSpPr>
+            <a:grpSpLocks noGrp="1" noUngrp="1" noRot="1" noChangeAspect="1" noMove="1" noResize="1"/>
+          </p:cNvGrpSpPr>
+          <p:nvPr>
+            <p:extLst>
+              <p:ext uri="{386F3935-93C4-4BCD-93E2-E3B085C9AB24}">
+                <p16:designElem xmlns:p16="http://schemas.microsoft.com/office/powerpoint/2015/main" val="1"/>
+              </p:ext>
+            </p:extLst>
+          </p:nvPr>
+        </p:nvGrpSpPr>
+        <p:grpSpPr>
+          <a:xfrm>
+            <a:off x="752858" y="744469"/>
+            <a:ext cx="10674117" cy="5349671"/>
+            <a:chOff x="752858" y="744469"/>
+            <a:chExt cx="10674117" cy="5349671"/>
+          </a:xfrm>
+        </p:grpSpPr>
+        <p:sp>
+          <p:nvSpPr>
+            <p:cNvPr id="11" name="Freeform 6">
+              <a:extLst>
+                <a:ext uri="{FF2B5EF4-FFF2-40B4-BE49-F238E27FC236}">
+                  <a16:creationId xmlns:a16="http://schemas.microsoft.com/office/drawing/2014/main" id="{F2D3FC59-9FB9-48FC-8D66-9ACDB840EFDF}"/>
+                </a:ext>
+                <a:ext uri="{C183D7F6-B498-43B3-948B-1728B52AA6E4}">
+                  <adec:decorative xmlns:adec="http://schemas.microsoft.com/office/drawing/2017/decorative" val="1"/>
+                </a:ext>
+              </a:extLst>
+            </p:cNvPr>
+            <p:cNvSpPr/>
+            <p:nvPr>
+              <p:extLst>
+                <p:ext uri="{386F3935-93C4-4BCD-93E2-E3B085C9AB24}">
+                  <p16:designElem xmlns:p16="http://schemas.microsoft.com/office/powerpoint/2015/main" val="1"/>
+                </p:ext>
+              </p:extLst>
+            </p:nvPr>
+          </p:nvSpPr>
+          <p:spPr bwMode="auto">
+            <a:xfrm>
+              <a:off x="8151962" y="1685652"/>
+              <a:ext cx="3275013" cy="4408488"/>
+            </a:xfrm>
+            <a:custGeom>
+              <a:avLst/>
+              <a:gdLst/>
+              <a:ahLst/>
+              <a:cxnLst/>
+              <a:rect l="l" t="t" r="r" b="b"/>
+              <a:pathLst>
+                <a:path w="10000" h="10000">
+                  <a:moveTo>
+                    <a:pt x="8761" y="0"/>
+                  </a:moveTo>
+                  <a:lnTo>
+                    <a:pt x="10000" y="0"/>
+                  </a:lnTo>
+                  <a:lnTo>
+                    <a:pt x="10000" y="10000"/>
+                  </a:lnTo>
+                  <a:lnTo>
+                    <a:pt x="0" y="10000"/>
+                  </a:lnTo>
+                  <a:lnTo>
+                    <a:pt x="0" y="9126"/>
+                  </a:lnTo>
+                  <a:lnTo>
+                    <a:pt x="8761" y="9127"/>
+                  </a:lnTo>
+                  <a:lnTo>
+                    <a:pt x="8761" y="0"/>
+                  </a:lnTo>
+                  <a:close/>
+                </a:path>
+              </a:pathLst>
+            </a:custGeom>
+            <a:solidFill>
+              <a:schemeClr val="tx2"/>
+            </a:solidFill>
+            <a:ln w="0">
+              <a:noFill/>
+              <a:prstDash val="solid"/>
+              <a:round/>
+              <a:headEnd/>
+              <a:tailEnd/>
+            </a:ln>
+          </p:spPr>
+        </p:sp>
+        <p:sp>
+          <p:nvSpPr>
+            <p:cNvPr id="12" name="Freeform 6">
+              <a:extLst>
+                <a:ext uri="{FF2B5EF4-FFF2-40B4-BE49-F238E27FC236}">
+                  <a16:creationId xmlns:a16="http://schemas.microsoft.com/office/drawing/2014/main" id="{27D0D12F-DDEA-45FE-91AE-E35A03B65117}"/>
+                </a:ext>
+                <a:ext uri="{C183D7F6-B498-43B3-948B-1728B52AA6E4}">
+                  <adec:decorative xmlns:adec="http://schemas.microsoft.com/office/drawing/2017/decorative" val="1"/>
+                </a:ext>
+              </a:extLst>
+            </p:cNvPr>
+            <p:cNvSpPr/>
+            <p:nvPr>
+              <p:extLst>
+                <p:ext uri="{386F3935-93C4-4BCD-93E2-E3B085C9AB24}">
+                  <p16:designElem xmlns:p16="http://schemas.microsoft.com/office/powerpoint/2015/main" val="1"/>
+                </p:ext>
+              </p:extLst>
+            </p:nvPr>
+          </p:nvSpPr>
+          <p:spPr bwMode="auto">
+            <a:xfrm flipH="1" flipV="1">
+              <a:off x="752858" y="744469"/>
+              <a:ext cx="3275668" cy="4408488"/>
+            </a:xfrm>
+            <a:custGeom>
+              <a:avLst/>
+              <a:gdLst/>
+              <a:ahLst/>
+              <a:cxnLst/>
+              <a:rect l="l" t="t" r="r" b="b"/>
+              <a:pathLst>
+                <a:path w="10002" h="10000">
+                  <a:moveTo>
+                    <a:pt x="8763" y="0"/>
+                  </a:moveTo>
+                  <a:lnTo>
+                    <a:pt x="10002" y="0"/>
+                  </a:lnTo>
+                  <a:lnTo>
+                    <a:pt x="10002" y="10000"/>
+                  </a:lnTo>
+                  <a:lnTo>
+                    <a:pt x="2" y="10000"/>
+                  </a:lnTo>
+                  <a:cubicBezTo>
+                    <a:pt x="-2" y="9698"/>
+                    <a:pt x="4" y="9427"/>
+                    <a:pt x="0" y="9125"/>
+                  </a:cubicBezTo>
+                  <a:lnTo>
+                    <a:pt x="8763" y="9128"/>
+                  </a:lnTo>
+                  <a:lnTo>
+                    <a:pt x="8763" y="0"/>
+                  </a:lnTo>
+                  <a:close/>
+                </a:path>
+              </a:pathLst>
+            </a:custGeom>
+            <a:solidFill>
+              <a:schemeClr val="tx2"/>
+            </a:solidFill>
+            <a:ln w="0">
+              <a:noFill/>
+              <a:prstDash val="solid"/>
+              <a:round/>
+              <a:headEnd/>
+              <a:tailEnd/>
+            </a:ln>
+          </p:spPr>
+        </p:sp>
+      </p:grpSp>
+      <p:sp useBgFill="1">
+        <p:nvSpPr>
+          <p:cNvPr id="14" name="Rectangle 13">
+            <a:extLst>
+              <a:ext uri="{FF2B5EF4-FFF2-40B4-BE49-F238E27FC236}">
+                <a16:creationId xmlns:a16="http://schemas.microsoft.com/office/drawing/2014/main" id="{485326CE-E8C0-4DD9-B97D-BFB0DFF3FC5C}"/>
+              </a:ext>
+              <a:ext uri="{C183D7F6-B498-43B3-948B-1728B52AA6E4}">
+                <adec:decorative xmlns:adec="http://schemas.microsoft.com/office/drawing/2017/decorative" val="1"/>
+              </a:ext>
+            </a:extLst>
+          </p:cNvPr>
+          <p:cNvSpPr>
+            <a:spLocks noGrp="1" noRot="1" noChangeAspect="1" noMove="1" noResize="1" noEditPoints="1" noAdjustHandles="1" noChangeArrowheads="1" noChangeShapeType="1" noTextEdit="1"/>
+          </p:cNvSpPr>
+          <p:nvPr>
+            <p:extLst>
+              <p:ext uri="{386F3935-93C4-4BCD-93E2-E3B085C9AB24}">
+                <p16:designElem xmlns:p16="http://schemas.microsoft.com/office/powerpoint/2015/main" val="1"/>
+              </p:ext>
+            </p:extLst>
+          </p:nvPr>
+        </p:nvSpPr>
+        <p:spPr>
+          <a:xfrm>
+            <a:off x="0" y="9236"/>
+            <a:ext cx="12192000" cy="6858000"/>
+          </a:xfrm>
+          <a:prstGeom prst="rect">
+            <a:avLst/>
+          </a:prstGeom>
+          <a:ln>
+            <a:noFill/>
+          </a:ln>
+        </p:spPr>
+        <p:style>
+          <a:lnRef idx="2">
+            <a:schemeClr val="accent1">
+              <a:shade val="50000"/>
+            </a:schemeClr>
+          </a:lnRef>
+          <a:fillRef idx="1001">
+            <a:schemeClr val="lt2"/>
+          </a:fillRef>
+          <a:effectRef idx="0">
+            <a:schemeClr val="accent1"/>
+          </a:effectRef>
+          <a:fontRef idx="minor">
+            <a:schemeClr val="lt1"/>
+          </a:fontRef>
+        </p:style>
+        <p:txBody>
+          <a:bodyPr rtlCol="0" anchor="ctr"/>
+          <a:lstStyle/>
+          <a:p>
+            <a:pPr algn="ctr"/>
+            <a:endParaRPr lang="en-US"/>
+          </a:p>
+        </p:txBody>
+      </p:sp>
+      <p:sp>
+        <p:nvSpPr>
+          <p:cNvPr id="2" name="Cím 1">
+            <a:extLst>
+              <a:ext uri="{FF2B5EF4-FFF2-40B4-BE49-F238E27FC236}">
+                <a16:creationId xmlns:a16="http://schemas.microsoft.com/office/drawing/2014/main" id="{78912CD4-C223-A20D-78C9-573BEB2F6EBA}"/>
+              </a:ext>
+            </a:extLst>
+          </p:cNvPr>
+          <p:cNvSpPr>
+            <a:spLocks noGrp="1"/>
+          </p:cNvSpPr>
+          <p:nvPr>
+            <p:ph type="title"/>
+          </p:nvPr>
+        </p:nvSpPr>
+        <p:spPr>
+          <a:xfrm>
+            <a:off x="8154186" y="634028"/>
+            <a:ext cx="3355942" cy="3732835"/>
+          </a:xfrm>
+        </p:spPr>
+        <p:txBody>
+          <a:bodyPr vert="horz" lIns="91440" tIns="45720" rIns="91440" bIns="45720" rtlCol="0" anchor="b">
+            <a:normAutofit/>
+          </a:bodyPr>
+          <a:lstStyle/>
+          <a:p>
+            <a:pPr algn="ctr"/>
+            <a:r>
+              <a:rPr lang="en-US" sz="5600" cap="all" dirty="0" err="1"/>
+              <a:t>Trendek</a:t>
+            </a:r>
+            <a:br>
+              <a:rPr lang="hu-HU" sz="5600" cap="all" dirty="0"/>
+            </a:br>
+            <a:br>
+              <a:rPr lang="hu-HU" sz="5600" cap="all" dirty="0"/>
+            </a:br>
+            <a:r>
+              <a:rPr lang="hu-HU" sz="4800" cap="all" dirty="0"/>
+              <a:t>facebook</a:t>
+            </a:r>
+            <a:br>
+              <a:rPr lang="hu-HU" sz="5600" cap="all" dirty="0"/>
+            </a:br>
+            <a:r>
+              <a:rPr lang="hu-HU" sz="5600" cap="all" dirty="0" err="1"/>
+              <a:t>Prophet</a:t>
+            </a:r>
+            <a:endParaRPr lang="en-US" sz="5600" cap="all" dirty="0"/>
+          </a:p>
+        </p:txBody>
+      </p:sp>
+      <p:sp>
+        <p:nvSpPr>
+          <p:cNvPr id="16" name="Freeform 6">
+            <a:extLst>
+              <a:ext uri="{FF2B5EF4-FFF2-40B4-BE49-F238E27FC236}">
+                <a16:creationId xmlns:a16="http://schemas.microsoft.com/office/drawing/2014/main" id="{5ECBBE91-3592-462A-8700-B36554E6AA86}"/>
+              </a:ext>
+              <a:ext uri="{C183D7F6-B498-43B3-948B-1728B52AA6E4}">
+                <adec:decorative xmlns:adec="http://schemas.microsoft.com/office/drawing/2017/decorative" val="1"/>
+              </a:ext>
+            </a:extLst>
+          </p:cNvPr>
+          <p:cNvSpPr>
+            <a:spLocks noGrp="1" noRot="1" noChangeAspect="1" noMove="1" noResize="1" noEditPoints="1" noAdjustHandles="1" noChangeArrowheads="1" noChangeShapeType="1" noTextEdit="1"/>
+          </p:cNvSpPr>
+          <p:nvPr>
+            <p:extLst>
+              <p:ext uri="{386F3935-93C4-4BCD-93E2-E3B085C9AB24}">
+                <p16:designElem xmlns:p16="http://schemas.microsoft.com/office/powerpoint/2015/main" val="1"/>
+              </p:ext>
+            </p:extLst>
+          </p:nvPr>
+        </p:nvSpPr>
+        <p:spPr bwMode="auto">
+          <a:xfrm flipH="1" flipV="1">
+            <a:off x="649163" y="634028"/>
+            <a:ext cx="3275668" cy="4408488"/>
+          </a:xfrm>
+          <a:custGeom>
+            <a:avLst/>
+            <a:gdLst/>
+            <a:ahLst/>
+            <a:cxnLst/>
+            <a:rect l="l" t="t" r="r" b="b"/>
+            <a:pathLst>
+              <a:path w="10002" h="10000">
+                <a:moveTo>
+                  <a:pt x="8763" y="0"/>
+                </a:moveTo>
+                <a:lnTo>
+                  <a:pt x="10002" y="0"/>
+                </a:lnTo>
+                <a:lnTo>
+                  <a:pt x="10002" y="10000"/>
+                </a:lnTo>
+                <a:lnTo>
+                  <a:pt x="2" y="10000"/>
+                </a:lnTo>
+                <a:cubicBezTo>
+                  <a:pt x="-2" y="9698"/>
+                  <a:pt x="4" y="9427"/>
+                  <a:pt x="0" y="9125"/>
+                </a:cubicBezTo>
+                <a:lnTo>
+                  <a:pt x="8763" y="9128"/>
+                </a:lnTo>
+                <a:lnTo>
+                  <a:pt x="8763" y="0"/>
+                </a:lnTo>
+                <a:close/>
+              </a:path>
+            </a:pathLst>
+          </a:custGeom>
+          <a:solidFill>
+            <a:schemeClr val="tx2"/>
+          </a:solidFill>
+          <a:ln w="0">
+            <a:noFill/>
+            <a:prstDash val="solid"/>
+            <a:round/>
+            <a:headEnd/>
+            <a:tailEnd/>
+          </a:ln>
+        </p:spPr>
+      </p:sp>
+      <p:sp>
+        <p:nvSpPr>
+          <p:cNvPr id="18" name="Freeform 6">
+            <a:extLst>
+              <a:ext uri="{FF2B5EF4-FFF2-40B4-BE49-F238E27FC236}">
+                <a16:creationId xmlns:a16="http://schemas.microsoft.com/office/drawing/2014/main" id="{646AE209-CD2C-4804-A22E-978C38614058}"/>
+              </a:ext>
+              <a:ext uri="{C183D7F6-B498-43B3-948B-1728B52AA6E4}">
+                <adec:decorative xmlns:adec="http://schemas.microsoft.com/office/drawing/2017/decorative" val="1"/>
+              </a:ext>
+            </a:extLst>
+          </p:cNvPr>
+          <p:cNvSpPr>
+            <a:spLocks noGrp="1" noRot="1" noChangeAspect="1" noMove="1" noResize="1" noEditPoints="1" noAdjustHandles="1" noChangeArrowheads="1" noChangeShapeType="1" noTextEdit="1"/>
+          </p:cNvSpPr>
+          <p:nvPr>
+            <p:extLst>
+              <p:ext uri="{386F3935-93C4-4BCD-93E2-E3B085C9AB24}">
+                <p16:designElem xmlns:p16="http://schemas.microsoft.com/office/powerpoint/2015/main" val="1"/>
+              </p:ext>
+            </p:extLst>
+          </p:nvPr>
+        </p:nvSpPr>
+        <p:spPr bwMode="auto">
+          <a:xfrm>
+            <a:off x="4494670" y="2016617"/>
+            <a:ext cx="3275013" cy="4408488"/>
+          </a:xfrm>
+          <a:custGeom>
+            <a:avLst/>
+            <a:gdLst/>
+            <a:ahLst/>
+            <a:cxnLst/>
+            <a:rect l="l" t="t" r="r" b="b"/>
+            <a:pathLst>
+              <a:path w="10000" h="10000">
+                <a:moveTo>
+                  <a:pt x="8761" y="0"/>
+                </a:moveTo>
+                <a:lnTo>
+                  <a:pt x="10000" y="0"/>
+                </a:lnTo>
+                <a:lnTo>
+                  <a:pt x="10000" y="10000"/>
+                </a:lnTo>
+                <a:lnTo>
+                  <a:pt x="0" y="10000"/>
+                </a:lnTo>
+                <a:lnTo>
+                  <a:pt x="0" y="9126"/>
+                </a:lnTo>
+                <a:lnTo>
+                  <a:pt x="8761" y="9127"/>
+                </a:lnTo>
+                <a:lnTo>
+                  <a:pt x="8761" y="0"/>
+                </a:lnTo>
+                <a:close/>
+              </a:path>
+            </a:pathLst>
+          </a:custGeom>
+          <a:solidFill>
+            <a:schemeClr val="tx2"/>
+          </a:solidFill>
+          <a:ln w="0">
+            <a:noFill/>
+            <a:prstDash val="solid"/>
+            <a:round/>
+            <a:headEnd/>
+            <a:tailEnd/>
+          </a:ln>
+        </p:spPr>
+      </p:sp>
+      <p:pic>
+        <p:nvPicPr>
+          <p:cNvPr id="5" name="Tartalom helye 4">
+            <a:extLst>
+              <a:ext uri="{FF2B5EF4-FFF2-40B4-BE49-F238E27FC236}">
+                <a16:creationId xmlns:a16="http://schemas.microsoft.com/office/drawing/2014/main" id="{0B712847-4531-55F3-68C1-FC33258DF728}"/>
+              </a:ext>
+            </a:extLst>
+          </p:cNvPr>
+          <p:cNvPicPr>
+            <a:picLocks noGrp="1" noChangeAspect="1"/>
+          </p:cNvPicPr>
+          <p:nvPr>
+            <p:ph idx="1"/>
+          </p:nvPr>
+        </p:nvPicPr>
+        <p:blipFill>
+          <a:blip r:embed="rId2"/>
+          <a:stretch>
+            <a:fillRect/>
+          </a:stretch>
+        </p:blipFill>
+        <p:spPr>
+          <a:xfrm>
+            <a:off x="1379023" y="1837904"/>
+            <a:ext cx="5659222" cy="3381384"/>
+          </a:xfrm>
+          <a:prstGeom prst="rect">
+            <a:avLst/>
+          </a:prstGeom>
+        </p:spPr>
+      </p:pic>
+    </p:spTree>
+    <p:extLst>
+      <p:ext uri="{BB962C8B-B14F-4D97-AF65-F5344CB8AC3E}">
+        <p14:creationId xmlns:p14="http://schemas.microsoft.com/office/powerpoint/2010/main" val="1525769940"/>
+      </p:ext>
+    </p:extLst>
+  </p:cSld>
+  <p:clrMapOvr>
+    <a:masterClrMapping/>
+  </p:clrMapOvr>
+</p:sld>
+</file>
+
+<file path=ppt/slides/slide16.xml><?xml version="1.0" encoding="utf-8"?>
+<p:sld xmlns:a="http://schemas.openxmlformats.org/drawingml/2006/main" xmlns:r="http://schemas.openxmlformats.org/officeDocument/2006/relationships" xmlns:p="http://schemas.openxmlformats.org/presentationml/2006/main">
+  <p:cSld>
+    <p:bg>
+      <p:bgPr>
+        <a:solidFill>
+          <a:schemeClr val="bg2"/>
+        </a:solidFill>
+        <a:effectLst/>
+      </p:bgPr>
+    </p:bg>
+    <p:spTree>
+      <p:nvGrpSpPr>
+        <p:cNvPr id="1" name=""/>
+        <p:cNvGrpSpPr/>
+        <p:nvPr/>
+      </p:nvGrpSpPr>
+      <p:grpSpPr>
+        <a:xfrm>
+          <a:off x="0" y="0"/>
+          <a:ext cx="0" cy="0"/>
+          <a:chOff x="0" y="0"/>
+          <a:chExt cx="0" cy="0"/>
+        </a:xfrm>
+      </p:grpSpPr>
+      <p:sp>
+        <p:nvSpPr>
+          <p:cNvPr id="12" name="Rectangle 11">
+            <a:extLst>
+              <a:ext uri="{FF2B5EF4-FFF2-40B4-BE49-F238E27FC236}">
+                <a16:creationId xmlns:a16="http://schemas.microsoft.com/office/drawing/2014/main" id="{D66300C9-12C5-40B5-986F-3A3FAE70950E}"/>
+              </a:ext>
+              <a:ext uri="{C183D7F6-B498-43B3-948B-1728B52AA6E4}">
+                <adec:decorative xmlns:adec="http://schemas.microsoft.com/office/drawing/2017/decorative" val="1"/>
+              </a:ext>
+            </a:extLst>
+          </p:cNvPr>
+          <p:cNvSpPr>
+            <a:spLocks noGrp="1" noRot="1" noChangeAspect="1" noMove="1" noResize="1" noEditPoints="1" noAdjustHandles="1" noChangeArrowheads="1" noChangeShapeType="1" noTextEdit="1"/>
+          </p:cNvSpPr>
+          <p:nvPr>
+            <p:extLst>
+              <p:ext uri="{386F3935-93C4-4BCD-93E2-E3B085C9AB24}">
+                <p16:designElem xmlns:p16="http://schemas.microsoft.com/office/powerpoint/2015/main" val="1"/>
+              </p:ext>
+            </p:extLst>
+          </p:nvPr>
+        </p:nvSpPr>
+        <p:spPr>
+          <a:xfrm>
+            <a:off x="0" y="0"/>
+            <a:ext cx="12192000" cy="6858000"/>
+          </a:xfrm>
+          <a:prstGeom prst="rect">
+            <a:avLst/>
+          </a:prstGeom>
+          <a:solidFill>
+            <a:schemeClr val="bg2"/>
+          </a:solidFill>
+          <a:ln>
+            <a:noFill/>
+          </a:ln>
+        </p:spPr>
+        <p:style>
+          <a:lnRef idx="2">
+            <a:schemeClr val="accent1">
+              <a:shade val="50000"/>
+            </a:schemeClr>
+          </a:lnRef>
+          <a:fillRef idx="1">
+            <a:schemeClr val="accent1"/>
+          </a:fillRef>
+          <a:effectRef idx="0">
+            <a:schemeClr val="accent1"/>
+          </a:effectRef>
+          <a:fontRef idx="minor">
+            <a:schemeClr val="lt1"/>
+          </a:fontRef>
+        </p:style>
+        <p:txBody>
+          <a:bodyPr rtlCol="0" anchor="ctr"/>
+          <a:lstStyle/>
+          <a:p>
+            <a:pPr algn="ctr"/>
+            <a:endParaRPr lang="en-US"/>
+          </a:p>
+        </p:txBody>
+      </p:sp>
+      <p:sp>
+        <p:nvSpPr>
+          <p:cNvPr id="2" name="Cím 1">
+            <a:extLst>
+              <a:ext uri="{FF2B5EF4-FFF2-40B4-BE49-F238E27FC236}">
+                <a16:creationId xmlns:a16="http://schemas.microsoft.com/office/drawing/2014/main" id="{5CDA9CA6-3B59-A8EE-C0C7-3EB9F29049DE}"/>
+              </a:ext>
+            </a:extLst>
+          </p:cNvPr>
+          <p:cNvSpPr>
+            <a:spLocks noGrp="1"/>
+          </p:cNvSpPr>
+          <p:nvPr>
+            <p:ph type="title"/>
+          </p:nvPr>
+        </p:nvSpPr>
+        <p:spPr>
+          <a:xfrm>
+            <a:off x="5100824" y="685800"/>
+            <a:ext cx="6176776" cy="1485900"/>
+          </a:xfrm>
+        </p:spPr>
+        <p:txBody>
+          <a:bodyPr>
+            <a:normAutofit/>
+          </a:bodyPr>
+          <a:lstStyle/>
+          <a:p>
+            <a:r>
+              <a:rPr lang="hu-HU" dirty="0"/>
+              <a:t>Megfigyelhető trendek</a:t>
+            </a:r>
+          </a:p>
+        </p:txBody>
+      </p:sp>
+      <p:pic>
+        <p:nvPicPr>
+          <p:cNvPr id="5" name="Tartalom helye 4">
+            <a:extLst>
+              <a:ext uri="{FF2B5EF4-FFF2-40B4-BE49-F238E27FC236}">
+                <a16:creationId xmlns:a16="http://schemas.microsoft.com/office/drawing/2014/main" id="{C6A7364B-051E-40F7-7FA8-C10D47FB6DC5}"/>
+              </a:ext>
+            </a:extLst>
+          </p:cNvPr>
+          <p:cNvPicPr>
+            <a:picLocks noChangeAspect="1"/>
+          </p:cNvPicPr>
+          <p:nvPr/>
+        </p:nvPicPr>
+        <p:blipFill>
+          <a:blip r:embed="rId2"/>
+          <a:stretch>
+            <a:fillRect/>
+          </a:stretch>
+        </p:blipFill>
+        <p:spPr>
+          <a:xfrm>
+            <a:off x="54625" y="567057"/>
+            <a:ext cx="4264295" cy="5723885"/>
+          </a:xfrm>
+          <a:prstGeom prst="rect">
+            <a:avLst/>
+          </a:prstGeom>
+        </p:spPr>
+      </p:pic>
+      <p:sp>
+        <p:nvSpPr>
+          <p:cNvPr id="14" name="Rectangle 13">
+            <a:extLst>
+              <a:ext uri="{FF2B5EF4-FFF2-40B4-BE49-F238E27FC236}">
+                <a16:creationId xmlns:a16="http://schemas.microsoft.com/office/drawing/2014/main" id="{02CBD205-EB95-4A2F-885F-DD9495CF3DD3}"/>
+              </a:ext>
+              <a:ext uri="{C183D7F6-B498-43B3-948B-1728B52AA6E4}">
+                <adec:decorative xmlns:adec="http://schemas.microsoft.com/office/drawing/2017/decorative" val="1"/>
+              </a:ext>
+            </a:extLst>
+          </p:cNvPr>
+          <p:cNvSpPr>
+            <a:spLocks noGrp="1" noRot="1" noChangeAspect="1" noMove="1" noResize="1" noEditPoints="1" noAdjustHandles="1" noChangeArrowheads="1" noChangeShapeType="1" noTextEdit="1"/>
+          </p:cNvSpPr>
+          <p:nvPr>
+            <p:extLst>
+              <p:ext uri="{386F3935-93C4-4BCD-93E2-E3B085C9AB24}">
+                <p16:designElem xmlns:p16="http://schemas.microsoft.com/office/powerpoint/2015/main" val="1"/>
+              </p:ext>
+            </p:extLst>
+          </p:nvPr>
+        </p:nvSpPr>
+        <p:spPr>
+          <a:xfrm>
+            <a:off x="4373545" y="376"/>
+            <a:ext cx="228600" cy="6858000"/>
+          </a:xfrm>
+          <a:prstGeom prst="rect">
+            <a:avLst/>
+          </a:prstGeom>
+          <a:solidFill>
+            <a:schemeClr val="tx2"/>
+          </a:solidFill>
+          <a:ln>
+            <a:noFill/>
+          </a:ln>
+        </p:spPr>
+        <p:style>
+          <a:lnRef idx="2">
+            <a:schemeClr val="accent1">
+              <a:shade val="50000"/>
+            </a:schemeClr>
+          </a:lnRef>
+          <a:fillRef idx="1">
+            <a:schemeClr val="accent1"/>
+          </a:fillRef>
+          <a:effectRef idx="0">
+            <a:schemeClr val="accent1"/>
+          </a:effectRef>
+          <a:fontRef idx="minor">
+            <a:schemeClr val="lt1"/>
+          </a:fontRef>
+        </p:style>
+      </p:sp>
+      <p:sp>
+        <p:nvSpPr>
+          <p:cNvPr id="9" name="Content Placeholder 8">
+            <a:extLst>
+              <a:ext uri="{FF2B5EF4-FFF2-40B4-BE49-F238E27FC236}">
+                <a16:creationId xmlns:a16="http://schemas.microsoft.com/office/drawing/2014/main" id="{A257F597-6618-93A3-7F4D-48BE36EEFEC7}"/>
+              </a:ext>
+            </a:extLst>
+          </p:cNvPr>
+          <p:cNvSpPr>
+            <a:spLocks noGrp="1"/>
+          </p:cNvSpPr>
+          <p:nvPr>
+            <p:ph idx="1"/>
+          </p:nvPr>
+        </p:nvSpPr>
+        <p:spPr>
+          <a:xfrm>
+            <a:off x="5100824" y="2286000"/>
+            <a:ext cx="6176776" cy="3581400"/>
+          </a:xfrm>
+        </p:spPr>
+        <p:txBody>
+          <a:bodyPr>
+            <a:normAutofit/>
+          </a:bodyPr>
+          <a:lstStyle/>
+          <a:p>
+            <a:r>
+              <a:rPr lang="hu-HU" dirty="0"/>
+              <a:t>Erős felfele ívelés Covid közben, és utána</a:t>
+            </a:r>
+          </a:p>
+          <a:p>
+            <a:r>
+              <a:rPr lang="hu-HU" dirty="0"/>
+              <a:t>Szünnapok jellemző lefele kiugrások</a:t>
+            </a:r>
+          </a:p>
+          <a:p>
+            <a:r>
+              <a:rPr lang="hu-HU" dirty="0"/>
+              <a:t>Erős </a:t>
+            </a:r>
+            <a:r>
+              <a:rPr lang="hu-HU" dirty="0" err="1"/>
+              <a:t>hétközbeni</a:t>
+            </a:r>
+            <a:r>
+              <a:rPr lang="hu-HU" dirty="0"/>
+              <a:t> trend</a:t>
+            </a:r>
+          </a:p>
+          <a:p>
+            <a:r>
+              <a:rPr lang="hu-HU" dirty="0"/>
+              <a:t>Érthetően erős nyári trend</a:t>
+            </a:r>
+            <a:endParaRPr lang="en-US" dirty="0"/>
+          </a:p>
+        </p:txBody>
+      </p:sp>
+    </p:spTree>
+    <p:extLst>
+      <p:ext uri="{BB962C8B-B14F-4D97-AF65-F5344CB8AC3E}">
+        <p14:creationId xmlns:p14="http://schemas.microsoft.com/office/powerpoint/2010/main" val="3162112669"/>
+      </p:ext>
+    </p:extLst>
+  </p:cSld>
+  <p:clrMapOvr>
+    <a:masterClrMapping/>
+  </p:clrMapOvr>
+</p:sld>
+</file>
+
+<file path=ppt/slides/slide17.xml><?xml version="1.0" encoding="utf-8"?>
+<p:sld xmlns:a="http://schemas.openxmlformats.org/drawingml/2006/main" xmlns:r="http://schemas.openxmlformats.org/officeDocument/2006/relationships" xmlns:p="http://schemas.openxmlformats.org/presentationml/2006/main">
+  <p:cSld>
+    <p:spTree>
+      <p:nvGrpSpPr>
+        <p:cNvPr id="1" name=""/>
+        <p:cNvGrpSpPr/>
+        <p:nvPr/>
+      </p:nvGrpSpPr>
+      <p:grpSpPr>
+        <a:xfrm>
+          <a:off x="0" y="0"/>
+          <a:ext cx="0" cy="0"/>
+          <a:chOff x="0" y="0"/>
+          <a:chExt cx="0" cy="0"/>
+        </a:xfrm>
+      </p:grpSpPr>
+      <p:sp>
+        <p:nvSpPr>
+          <p:cNvPr id="2" name="Cím 1">
+            <a:extLst>
+              <a:ext uri="{FF2B5EF4-FFF2-40B4-BE49-F238E27FC236}">
+                <a16:creationId xmlns:a16="http://schemas.microsoft.com/office/drawing/2014/main" id="{401D5EBB-112F-3A03-5254-254224861267}"/>
+              </a:ext>
+            </a:extLst>
+          </p:cNvPr>
+          <p:cNvSpPr>
+            <a:spLocks noGrp="1"/>
+          </p:cNvSpPr>
+          <p:nvPr>
+            <p:ph type="title"/>
+          </p:nvPr>
+        </p:nvSpPr>
+        <p:spPr/>
+        <p:txBody>
+          <a:bodyPr/>
+          <a:lstStyle/>
+          <a:p>
+            <a:endParaRPr lang="hu-HU" dirty="0"/>
+          </a:p>
+        </p:txBody>
+      </p:sp>
+      <p:pic>
+        <p:nvPicPr>
+          <p:cNvPr id="5" name="Tartalom helye 4">
+            <a:extLst>
+              <a:ext uri="{FF2B5EF4-FFF2-40B4-BE49-F238E27FC236}">
+                <a16:creationId xmlns:a16="http://schemas.microsoft.com/office/drawing/2014/main" id="{ADA9B0C5-ACD4-3B3E-0E45-14DBE53AD208}"/>
+              </a:ext>
+            </a:extLst>
+          </p:cNvPr>
+          <p:cNvPicPr>
+            <a:picLocks noGrp="1" noChangeAspect="1"/>
+          </p:cNvPicPr>
+          <p:nvPr>
+            <p:ph idx="1"/>
+          </p:nvPr>
+        </p:nvPicPr>
+        <p:blipFill rotWithShape="1">
+          <a:blip r:embed="rId2"/>
+          <a:srcRect t="49764" r="-1602" b="-1601"/>
+          <a:stretch/>
+        </p:blipFill>
+        <p:spPr>
+          <a:xfrm>
+            <a:off x="1371600" y="298235"/>
+            <a:ext cx="9894815" cy="6774852"/>
+          </a:xfrm>
+        </p:spPr>
+      </p:pic>
+    </p:spTree>
+    <p:extLst>
+      <p:ext uri="{BB962C8B-B14F-4D97-AF65-F5344CB8AC3E}">
+        <p14:creationId xmlns:p14="http://schemas.microsoft.com/office/powerpoint/2010/main" val="2060122355"/>
       </p:ext>
     </p:extLst>
   </p:cSld>
@@ -4023,6 +5955,36 @@
           </a:p>
         </p:txBody>
       </p:sp>
+      <p:pic>
+        <p:nvPicPr>
+          <p:cNvPr id="5" name="Kép 4">
+            <a:extLst>
+              <a:ext uri="{FF2B5EF4-FFF2-40B4-BE49-F238E27FC236}">
+                <a16:creationId xmlns:a16="http://schemas.microsoft.com/office/drawing/2014/main" id="{8FB349EC-0B0C-6C23-1CFC-D673B70CF2E3}"/>
+              </a:ext>
+            </a:extLst>
+          </p:cNvPr>
+          <p:cNvPicPr>
+            <a:picLocks noChangeAspect="1"/>
+          </p:cNvPicPr>
+          <p:nvPr/>
+        </p:nvPicPr>
+        <p:blipFill>
+          <a:blip r:embed="rId2"/>
+          <a:stretch>
+            <a:fillRect/>
+          </a:stretch>
+        </p:blipFill>
+        <p:spPr>
+          <a:xfrm>
+            <a:off x="1858409" y="4674670"/>
+            <a:ext cx="4686954" cy="905001"/>
+          </a:xfrm>
+          <a:prstGeom prst="rect">
+            <a:avLst/>
+          </a:prstGeom>
+        </p:spPr>
+      </p:pic>
     </p:spTree>
     <p:extLst>
       <p:ext uri="{BB962C8B-B14F-4D97-AF65-F5344CB8AC3E}">
@@ -4219,7 +6181,7 @@
             </a:r>
             <a:r>
               <a:rPr lang="hu-HU" dirty="0"/>
-              <a:t> biciklik kölcsönzései ( az összes) 2015 és 2022 között.</a:t>
+              <a:t> biciklik kölcsönzései ( az összes) 2015 és 2022 között, ~80M adatsor</a:t>
             </a:r>
           </a:p>
           <a:p>
@@ -4408,10 +6370,904 @@
           </a:p>
         </p:txBody>
       </p:sp>
+      <p:pic>
+        <p:nvPicPr>
+          <p:cNvPr id="7" name="Kép 6">
+            <a:extLst>
+              <a:ext uri="{FF2B5EF4-FFF2-40B4-BE49-F238E27FC236}">
+                <a16:creationId xmlns:a16="http://schemas.microsoft.com/office/drawing/2014/main" id="{BBBA67E6-B993-A53B-481A-977337691D99}"/>
+              </a:ext>
+            </a:extLst>
+          </p:cNvPr>
+          <p:cNvPicPr>
+            <a:picLocks noChangeAspect="1"/>
+          </p:cNvPicPr>
+          <p:nvPr/>
+        </p:nvPicPr>
+        <p:blipFill>
+          <a:blip r:embed="rId2"/>
+          <a:stretch>
+            <a:fillRect/>
+          </a:stretch>
+        </p:blipFill>
+        <p:spPr>
+          <a:xfrm>
+            <a:off x="7256983" y="3702985"/>
+            <a:ext cx="4153480" cy="2848373"/>
+          </a:xfrm>
+          <a:prstGeom prst="rect">
+            <a:avLst/>
+          </a:prstGeom>
+        </p:spPr>
+      </p:pic>
+      <p:sp>
+        <p:nvSpPr>
+          <p:cNvPr id="8" name="Szövegdoboz 7">
+            <a:extLst>
+              <a:ext uri="{FF2B5EF4-FFF2-40B4-BE49-F238E27FC236}">
+                <a16:creationId xmlns:a16="http://schemas.microsoft.com/office/drawing/2014/main" id="{E6D24C04-5E81-AD8B-F877-3999F535D850}"/>
+              </a:ext>
+            </a:extLst>
+          </p:cNvPr>
+          <p:cNvSpPr txBox="1"/>
+          <p:nvPr/>
+        </p:nvSpPr>
+        <p:spPr>
+          <a:xfrm>
+            <a:off x="7399175" y="6212804"/>
+            <a:ext cx="4581331" cy="338554"/>
+          </a:xfrm>
+          <a:prstGeom prst="rect">
+            <a:avLst/>
+          </a:prstGeom>
+          <a:noFill/>
+        </p:spPr>
+        <p:txBody>
+          <a:bodyPr wrap="square" rtlCol="0">
+            <a:spAutoFit/>
+          </a:bodyPr>
+          <a:lstStyle/>
+          <a:p>
+            <a:r>
+              <a:rPr lang="hu-HU" sz="1600" dirty="0"/>
+              <a:t>6 óránál hosszabb bérlések hossza percben</a:t>
+            </a:r>
+          </a:p>
+        </p:txBody>
+      </p:sp>
     </p:spTree>
     <p:extLst>
       <p:ext uri="{BB962C8B-B14F-4D97-AF65-F5344CB8AC3E}">
         <p14:creationId xmlns:p14="http://schemas.microsoft.com/office/powerpoint/2010/main" val="2502327566"/>
+      </p:ext>
+    </p:extLst>
+  </p:cSld>
+  <p:clrMapOvr>
+    <a:masterClrMapping/>
+  </p:clrMapOvr>
+</p:sld>
+</file>
+
+<file path=ppt/slides/slide6.xml><?xml version="1.0" encoding="utf-8"?>
+<p:sld xmlns:a="http://schemas.openxmlformats.org/drawingml/2006/main" xmlns:r="http://schemas.openxmlformats.org/officeDocument/2006/relationships" xmlns:p="http://schemas.openxmlformats.org/presentationml/2006/main">
+  <p:cSld>
+    <p:bg>
+      <p:bgPr>
+        <a:solidFill>
+          <a:schemeClr val="bg2"/>
+        </a:solidFill>
+        <a:effectLst/>
+      </p:bgPr>
+    </p:bg>
+    <p:spTree>
+      <p:nvGrpSpPr>
+        <p:cNvPr id="1" name=""/>
+        <p:cNvGrpSpPr/>
+        <p:nvPr/>
+      </p:nvGrpSpPr>
+      <p:grpSpPr>
+        <a:xfrm>
+          <a:off x="0" y="0"/>
+          <a:ext cx="0" cy="0"/>
+          <a:chOff x="0" y="0"/>
+          <a:chExt cx="0" cy="0"/>
+        </a:xfrm>
+      </p:grpSpPr>
+      <p:sp>
+        <p:nvSpPr>
+          <p:cNvPr id="2" name="Cím 1">
+            <a:extLst>
+              <a:ext uri="{FF2B5EF4-FFF2-40B4-BE49-F238E27FC236}">
+                <a16:creationId xmlns:a16="http://schemas.microsoft.com/office/drawing/2014/main" id="{1786B552-ACBB-AEE1-DC86-F491D310CCA7}"/>
+              </a:ext>
+            </a:extLst>
+          </p:cNvPr>
+          <p:cNvSpPr>
+            <a:spLocks noGrp="1"/>
+          </p:cNvSpPr>
+          <p:nvPr>
+            <p:ph type="title"/>
+          </p:nvPr>
+        </p:nvSpPr>
+        <p:spPr>
+          <a:xfrm>
+            <a:off x="7860667" y="685800"/>
+            <a:ext cx="3656419" cy="1485900"/>
+          </a:xfrm>
+        </p:spPr>
+        <p:txBody>
+          <a:bodyPr>
+            <a:normAutofit/>
+          </a:bodyPr>
+          <a:lstStyle/>
+          <a:p>
+            <a:r>
+              <a:rPr lang="hu-HU" dirty="0"/>
+              <a:t>Korrelációk</a:t>
+            </a:r>
+          </a:p>
+        </p:txBody>
+      </p:sp>
+      <p:sp>
+        <p:nvSpPr>
+          <p:cNvPr id="12" name="Rectangle 11">
+            <a:extLst>
+              <a:ext uri="{FF2B5EF4-FFF2-40B4-BE49-F238E27FC236}">
+                <a16:creationId xmlns:a16="http://schemas.microsoft.com/office/drawing/2014/main" id="{5A4829B7-47EE-4685-ADC0-DE464C22A58B}"/>
+              </a:ext>
+              <a:ext uri="{C183D7F6-B498-43B3-948B-1728B52AA6E4}">
+                <adec:decorative xmlns:adec="http://schemas.microsoft.com/office/drawing/2017/decorative" val="1"/>
+              </a:ext>
+            </a:extLst>
+          </p:cNvPr>
+          <p:cNvSpPr>
+            <a:spLocks noGrp="1" noRot="1" noChangeAspect="1" noMove="1" noResize="1" noEditPoints="1" noAdjustHandles="1" noChangeArrowheads="1" noChangeShapeType="1" noTextEdit="1"/>
+          </p:cNvSpPr>
+          <p:nvPr>
+            <p:extLst>
+              <p:ext uri="{386F3935-93C4-4BCD-93E2-E3B085C9AB24}">
+                <p16:designElem xmlns:p16="http://schemas.microsoft.com/office/powerpoint/2015/main" val="1"/>
+              </p:ext>
+            </p:extLst>
+          </p:nvPr>
+        </p:nvSpPr>
+        <p:spPr>
+          <a:xfrm>
+            <a:off x="478095" y="376"/>
+            <a:ext cx="228600" cy="6858000"/>
+          </a:xfrm>
+          <a:prstGeom prst="rect">
+            <a:avLst/>
+          </a:prstGeom>
+          <a:solidFill>
+            <a:schemeClr val="tx2"/>
+          </a:solidFill>
+          <a:ln>
+            <a:noFill/>
+          </a:ln>
+        </p:spPr>
+        <p:style>
+          <a:lnRef idx="2">
+            <a:schemeClr val="accent1">
+              <a:shade val="50000"/>
+            </a:schemeClr>
+          </a:lnRef>
+          <a:fillRef idx="1">
+            <a:schemeClr val="accent1"/>
+          </a:fillRef>
+          <a:effectRef idx="0">
+            <a:schemeClr val="accent1"/>
+          </a:effectRef>
+          <a:fontRef idx="minor">
+            <a:schemeClr val="lt1"/>
+          </a:fontRef>
+        </p:style>
+      </p:sp>
+      <p:pic>
+        <p:nvPicPr>
+          <p:cNvPr id="5" name="Tartalom helye 4">
+            <a:extLst>
+              <a:ext uri="{FF2B5EF4-FFF2-40B4-BE49-F238E27FC236}">
+                <a16:creationId xmlns:a16="http://schemas.microsoft.com/office/drawing/2014/main" id="{7F03302C-59BB-7B7A-EAAA-BDE7C84D7E5D}"/>
+              </a:ext>
+            </a:extLst>
+          </p:cNvPr>
+          <p:cNvPicPr>
+            <a:picLocks noChangeAspect="1"/>
+          </p:cNvPicPr>
+          <p:nvPr/>
+        </p:nvPicPr>
+        <p:blipFill>
+          <a:blip r:embed="rId2"/>
+          <a:stretch>
+            <a:fillRect/>
+          </a:stretch>
+        </p:blipFill>
+        <p:spPr>
+          <a:xfrm>
+            <a:off x="1091984" y="619653"/>
+            <a:ext cx="6478699" cy="5247747"/>
+          </a:xfrm>
+          <a:prstGeom prst="rect">
+            <a:avLst/>
+          </a:prstGeom>
+        </p:spPr>
+      </p:pic>
+      <p:sp>
+        <p:nvSpPr>
+          <p:cNvPr id="9" name="Content Placeholder 8">
+            <a:extLst>
+              <a:ext uri="{FF2B5EF4-FFF2-40B4-BE49-F238E27FC236}">
+                <a16:creationId xmlns:a16="http://schemas.microsoft.com/office/drawing/2014/main" id="{67D0F1AC-F953-860B-4E96-1B2930DCF7C0}"/>
+              </a:ext>
+            </a:extLst>
+          </p:cNvPr>
+          <p:cNvSpPr>
+            <a:spLocks noGrp="1"/>
+          </p:cNvSpPr>
+          <p:nvPr>
+            <p:ph idx="1"/>
+          </p:nvPr>
+        </p:nvSpPr>
+        <p:spPr>
+          <a:xfrm>
+            <a:off x="7860667" y="1619075"/>
+            <a:ext cx="3656419" cy="4248325"/>
+          </a:xfrm>
+        </p:spPr>
+        <p:txBody>
+          <a:bodyPr>
+            <a:normAutofit fontScale="92500" lnSpcReduction="10000"/>
+          </a:bodyPr>
+          <a:lstStyle/>
+          <a:p>
+            <a:r>
+              <a:rPr lang="hu-HU" dirty="0"/>
+              <a:t>Meteorológiai kapcsolatok jól látszanak</a:t>
+            </a:r>
+          </a:p>
+          <a:p>
+            <a:r>
+              <a:rPr lang="hu-HU" dirty="0"/>
+              <a:t>Érdekes módon a legjelentősebb kapcsolat a hőmérséklettel van</a:t>
+            </a:r>
+          </a:p>
+          <a:p>
+            <a:r>
+              <a:rPr lang="hu-HU" dirty="0"/>
+              <a:t>Mérőszámok erősen korreláltak</a:t>
+            </a:r>
+          </a:p>
+          <a:p>
+            <a:r>
+              <a:rPr lang="hu-HU" dirty="0"/>
+              <a:t>Leginkább a hőmérséklettel korrelál</a:t>
+            </a:r>
+          </a:p>
+          <a:p>
+            <a:r>
+              <a:rPr lang="hu-HU" dirty="0"/>
+              <a:t>Meglepő, hogy nincsen a csapadék, és a bicikli bérlések száma között korreláció</a:t>
+            </a:r>
+          </a:p>
+          <a:p>
+            <a:endParaRPr lang="hu-HU" dirty="0"/>
+          </a:p>
+          <a:p>
+            <a:endParaRPr lang="en-US" dirty="0"/>
+          </a:p>
+        </p:txBody>
+      </p:sp>
+    </p:spTree>
+    <p:extLst>
+      <p:ext uri="{BB962C8B-B14F-4D97-AF65-F5344CB8AC3E}">
+        <p14:creationId xmlns:p14="http://schemas.microsoft.com/office/powerpoint/2010/main" val="3725383233"/>
+      </p:ext>
+    </p:extLst>
+  </p:cSld>
+  <p:clrMapOvr>
+    <a:masterClrMapping/>
+  </p:clrMapOvr>
+</p:sld>
+</file>
+
+<file path=ppt/slides/slide7.xml><?xml version="1.0" encoding="utf-8"?>
+<p:sld xmlns:a="http://schemas.openxmlformats.org/drawingml/2006/main" xmlns:r="http://schemas.openxmlformats.org/officeDocument/2006/relationships" xmlns:p="http://schemas.openxmlformats.org/presentationml/2006/main">
+  <p:cSld>
+    <p:bg>
+      <p:bgPr>
+        <a:solidFill>
+          <a:schemeClr val="bg2"/>
+        </a:solidFill>
+        <a:effectLst/>
+      </p:bgPr>
+    </p:bg>
+    <p:spTree>
+      <p:nvGrpSpPr>
+        <p:cNvPr id="1" name=""/>
+        <p:cNvGrpSpPr/>
+        <p:nvPr/>
+      </p:nvGrpSpPr>
+      <p:grpSpPr>
+        <a:xfrm>
+          <a:off x="0" y="0"/>
+          <a:ext cx="0" cy="0"/>
+          <a:chOff x="0" y="0"/>
+          <a:chExt cx="0" cy="0"/>
+        </a:xfrm>
+      </p:grpSpPr>
+      <p:sp>
+        <p:nvSpPr>
+          <p:cNvPr id="2" name="Cím 1">
+            <a:extLst>
+              <a:ext uri="{FF2B5EF4-FFF2-40B4-BE49-F238E27FC236}">
+                <a16:creationId xmlns:a16="http://schemas.microsoft.com/office/drawing/2014/main" id="{EBB78EAC-373F-0DB5-F6C6-D70B16119500}"/>
+              </a:ext>
+            </a:extLst>
+          </p:cNvPr>
+          <p:cNvSpPr>
+            <a:spLocks noGrp="1"/>
+          </p:cNvSpPr>
+          <p:nvPr>
+            <p:ph type="title"/>
+          </p:nvPr>
+        </p:nvSpPr>
+        <p:spPr>
+          <a:xfrm>
+            <a:off x="7860667" y="685800"/>
+            <a:ext cx="3656419" cy="1485900"/>
+          </a:xfrm>
+        </p:spPr>
+        <p:txBody>
+          <a:bodyPr>
+            <a:normAutofit fontScale="90000"/>
+          </a:bodyPr>
+          <a:lstStyle/>
+          <a:p>
+            <a:r>
+              <a:rPr lang="hu-HU" dirty="0"/>
+              <a:t>A hideg hatása a biciklizési kedvre</a:t>
+            </a:r>
+          </a:p>
+        </p:txBody>
+      </p:sp>
+      <p:sp>
+        <p:nvSpPr>
+          <p:cNvPr id="12" name="Rectangle 11">
+            <a:extLst>
+              <a:ext uri="{FF2B5EF4-FFF2-40B4-BE49-F238E27FC236}">
+                <a16:creationId xmlns:a16="http://schemas.microsoft.com/office/drawing/2014/main" id="{5A4829B7-47EE-4685-ADC0-DE464C22A58B}"/>
+              </a:ext>
+              <a:ext uri="{C183D7F6-B498-43B3-948B-1728B52AA6E4}">
+                <adec:decorative xmlns:adec="http://schemas.microsoft.com/office/drawing/2017/decorative" val="1"/>
+              </a:ext>
+            </a:extLst>
+          </p:cNvPr>
+          <p:cNvSpPr>
+            <a:spLocks noGrp="1" noRot="1" noChangeAspect="1" noMove="1" noResize="1" noEditPoints="1" noAdjustHandles="1" noChangeArrowheads="1" noChangeShapeType="1" noTextEdit="1"/>
+          </p:cNvSpPr>
+          <p:nvPr>
+            <p:extLst>
+              <p:ext uri="{386F3935-93C4-4BCD-93E2-E3B085C9AB24}">
+                <p16:designElem xmlns:p16="http://schemas.microsoft.com/office/powerpoint/2015/main" val="1"/>
+              </p:ext>
+            </p:extLst>
+          </p:nvPr>
+        </p:nvSpPr>
+        <p:spPr>
+          <a:xfrm>
+            <a:off x="478095" y="376"/>
+            <a:ext cx="228600" cy="6858000"/>
+          </a:xfrm>
+          <a:prstGeom prst="rect">
+            <a:avLst/>
+          </a:prstGeom>
+          <a:solidFill>
+            <a:schemeClr val="tx2"/>
+          </a:solidFill>
+          <a:ln>
+            <a:noFill/>
+          </a:ln>
+        </p:spPr>
+        <p:style>
+          <a:lnRef idx="2">
+            <a:schemeClr val="accent1">
+              <a:shade val="50000"/>
+            </a:schemeClr>
+          </a:lnRef>
+          <a:fillRef idx="1">
+            <a:schemeClr val="accent1"/>
+          </a:fillRef>
+          <a:effectRef idx="0">
+            <a:schemeClr val="accent1"/>
+          </a:effectRef>
+          <a:fontRef idx="minor">
+            <a:schemeClr val="lt1"/>
+          </a:fontRef>
+        </p:style>
+      </p:sp>
+      <p:pic>
+        <p:nvPicPr>
+          <p:cNvPr id="5" name="Tartalom helye 4">
+            <a:extLst>
+              <a:ext uri="{FF2B5EF4-FFF2-40B4-BE49-F238E27FC236}">
+                <a16:creationId xmlns:a16="http://schemas.microsoft.com/office/drawing/2014/main" id="{0C2FD8F9-FE37-E6B2-5B21-68128D9ECA78}"/>
+              </a:ext>
+            </a:extLst>
+          </p:cNvPr>
+          <p:cNvPicPr>
+            <a:picLocks noChangeAspect="1"/>
+          </p:cNvPicPr>
+          <p:nvPr/>
+        </p:nvPicPr>
+        <p:blipFill>
+          <a:blip r:embed="rId2"/>
+          <a:stretch>
+            <a:fillRect/>
+          </a:stretch>
+        </p:blipFill>
+        <p:spPr>
+          <a:xfrm>
+            <a:off x="1652854" y="645106"/>
+            <a:ext cx="5258478" cy="5247747"/>
+          </a:xfrm>
+          <a:prstGeom prst="rect">
+            <a:avLst/>
+          </a:prstGeom>
+        </p:spPr>
+      </p:pic>
+      <p:sp>
+        <p:nvSpPr>
+          <p:cNvPr id="9" name="Content Placeholder 8">
+            <a:extLst>
+              <a:ext uri="{FF2B5EF4-FFF2-40B4-BE49-F238E27FC236}">
+                <a16:creationId xmlns:a16="http://schemas.microsoft.com/office/drawing/2014/main" id="{5E71674B-B7C2-0848-7098-2A45A0ECB3D6}"/>
+              </a:ext>
+            </a:extLst>
+          </p:cNvPr>
+          <p:cNvSpPr>
+            <a:spLocks noGrp="1"/>
+          </p:cNvSpPr>
+          <p:nvPr>
+            <p:ph idx="1"/>
+          </p:nvPr>
+        </p:nvSpPr>
+        <p:spPr>
+          <a:xfrm>
+            <a:off x="7925981" y="2715208"/>
+            <a:ext cx="3656419" cy="3581400"/>
+          </a:xfrm>
+        </p:spPr>
+        <p:txBody>
+          <a:bodyPr>
+            <a:normAutofit/>
+          </a:bodyPr>
+          <a:lstStyle/>
+          <a:p>
+            <a:r>
+              <a:rPr lang="hu-HU" dirty="0"/>
+              <a:t>Látható a korreláció miből alakult ki</a:t>
+            </a:r>
+          </a:p>
+          <a:p>
+            <a:r>
+              <a:rPr lang="hu-HU" dirty="0"/>
+              <a:t>Annyira nem egyértelmű, elég széles a zaj</a:t>
+            </a:r>
+            <a:endParaRPr lang="en-US" dirty="0"/>
+          </a:p>
+        </p:txBody>
+      </p:sp>
+    </p:spTree>
+    <p:extLst>
+      <p:ext uri="{BB962C8B-B14F-4D97-AF65-F5344CB8AC3E}">
+        <p14:creationId xmlns:p14="http://schemas.microsoft.com/office/powerpoint/2010/main" val="775506085"/>
+      </p:ext>
+    </p:extLst>
+  </p:cSld>
+  <p:clrMapOvr>
+    <a:masterClrMapping/>
+  </p:clrMapOvr>
+</p:sld>
+</file>
+
+<file path=ppt/slides/slide8.xml><?xml version="1.0" encoding="utf-8"?>
+<p:sld xmlns:a="http://schemas.openxmlformats.org/drawingml/2006/main" xmlns:r="http://schemas.openxmlformats.org/officeDocument/2006/relationships" xmlns:p="http://schemas.openxmlformats.org/presentationml/2006/main">
+  <p:cSld>
+    <p:bg>
+      <p:bgPr>
+        <a:solidFill>
+          <a:schemeClr val="bg2"/>
+        </a:solidFill>
+        <a:effectLst/>
+      </p:bgPr>
+    </p:bg>
+    <p:spTree>
+      <p:nvGrpSpPr>
+        <p:cNvPr id="1" name=""/>
+        <p:cNvGrpSpPr/>
+        <p:nvPr/>
+      </p:nvGrpSpPr>
+      <p:grpSpPr>
+        <a:xfrm>
+          <a:off x="0" y="0"/>
+          <a:ext cx="0" cy="0"/>
+          <a:chOff x="0" y="0"/>
+          <a:chExt cx="0" cy="0"/>
+        </a:xfrm>
+      </p:grpSpPr>
+      <p:sp>
+        <p:nvSpPr>
+          <p:cNvPr id="2" name="Cím 1">
+            <a:extLst>
+              <a:ext uri="{FF2B5EF4-FFF2-40B4-BE49-F238E27FC236}">
+                <a16:creationId xmlns:a16="http://schemas.microsoft.com/office/drawing/2014/main" id="{B392B27C-233B-7F2E-A18A-CA631F2D1506}"/>
+              </a:ext>
+            </a:extLst>
+          </p:cNvPr>
+          <p:cNvSpPr>
+            <a:spLocks noGrp="1"/>
+          </p:cNvSpPr>
+          <p:nvPr>
+            <p:ph type="title"/>
+          </p:nvPr>
+        </p:nvSpPr>
+        <p:spPr>
+          <a:xfrm>
+            <a:off x="7860667" y="685800"/>
+            <a:ext cx="3656419" cy="1485900"/>
+          </a:xfrm>
+        </p:spPr>
+        <p:txBody>
+          <a:bodyPr>
+            <a:normAutofit fontScale="90000"/>
+          </a:bodyPr>
+          <a:lstStyle/>
+          <a:p>
+            <a:r>
+              <a:rPr lang="hu-HU" dirty="0"/>
+              <a:t>A bérlések rövidülése jobban </a:t>
+            </a:r>
+            <a:r>
+              <a:rPr lang="hu-HU" dirty="0" err="1"/>
+              <a:t>megfigehető</a:t>
+            </a:r>
+            <a:r>
+              <a:rPr lang="hu-HU" dirty="0"/>
+              <a:t> </a:t>
+            </a:r>
+          </a:p>
+        </p:txBody>
+      </p:sp>
+      <p:sp>
+        <p:nvSpPr>
+          <p:cNvPr id="12" name="Rectangle 11">
+            <a:extLst>
+              <a:ext uri="{FF2B5EF4-FFF2-40B4-BE49-F238E27FC236}">
+                <a16:creationId xmlns:a16="http://schemas.microsoft.com/office/drawing/2014/main" id="{5A4829B7-47EE-4685-ADC0-DE464C22A58B}"/>
+              </a:ext>
+              <a:ext uri="{C183D7F6-B498-43B3-948B-1728B52AA6E4}">
+                <adec:decorative xmlns:adec="http://schemas.microsoft.com/office/drawing/2017/decorative" val="1"/>
+              </a:ext>
+            </a:extLst>
+          </p:cNvPr>
+          <p:cNvSpPr>
+            <a:spLocks noGrp="1" noRot="1" noChangeAspect="1" noMove="1" noResize="1" noEditPoints="1" noAdjustHandles="1" noChangeArrowheads="1" noChangeShapeType="1" noTextEdit="1"/>
+          </p:cNvSpPr>
+          <p:nvPr>
+            <p:extLst>
+              <p:ext uri="{386F3935-93C4-4BCD-93E2-E3B085C9AB24}">
+                <p16:designElem xmlns:p16="http://schemas.microsoft.com/office/powerpoint/2015/main" val="1"/>
+              </p:ext>
+            </p:extLst>
+          </p:nvPr>
+        </p:nvSpPr>
+        <p:spPr>
+          <a:xfrm>
+            <a:off x="478095" y="376"/>
+            <a:ext cx="228600" cy="6858000"/>
+          </a:xfrm>
+          <a:prstGeom prst="rect">
+            <a:avLst/>
+          </a:prstGeom>
+          <a:solidFill>
+            <a:schemeClr val="tx2"/>
+          </a:solidFill>
+          <a:ln>
+            <a:noFill/>
+          </a:ln>
+        </p:spPr>
+        <p:style>
+          <a:lnRef idx="2">
+            <a:schemeClr val="accent1">
+              <a:shade val="50000"/>
+            </a:schemeClr>
+          </a:lnRef>
+          <a:fillRef idx="1">
+            <a:schemeClr val="accent1"/>
+          </a:fillRef>
+          <a:effectRef idx="0">
+            <a:schemeClr val="accent1"/>
+          </a:effectRef>
+          <a:fontRef idx="minor">
+            <a:schemeClr val="lt1"/>
+          </a:fontRef>
+        </p:style>
+      </p:sp>
+      <p:pic>
+        <p:nvPicPr>
+          <p:cNvPr id="5" name="Tartalom helye 4">
+            <a:extLst>
+              <a:ext uri="{FF2B5EF4-FFF2-40B4-BE49-F238E27FC236}">
+                <a16:creationId xmlns:a16="http://schemas.microsoft.com/office/drawing/2014/main" id="{6A496775-5145-ECCE-5D6F-B4D969B510AF}"/>
+              </a:ext>
+            </a:extLst>
+          </p:cNvPr>
+          <p:cNvPicPr>
+            <a:picLocks noChangeAspect="1"/>
+          </p:cNvPicPr>
+          <p:nvPr/>
+        </p:nvPicPr>
+        <p:blipFill>
+          <a:blip r:embed="rId2"/>
+          <a:stretch>
+            <a:fillRect/>
+          </a:stretch>
+        </p:blipFill>
+        <p:spPr>
+          <a:xfrm>
+            <a:off x="1668908" y="645106"/>
+            <a:ext cx="5226371" cy="5247747"/>
+          </a:xfrm>
+          <a:prstGeom prst="rect">
+            <a:avLst/>
+          </a:prstGeom>
+        </p:spPr>
+      </p:pic>
+      <p:sp>
+        <p:nvSpPr>
+          <p:cNvPr id="9" name="Content Placeholder 8">
+            <a:extLst>
+              <a:ext uri="{FF2B5EF4-FFF2-40B4-BE49-F238E27FC236}">
+                <a16:creationId xmlns:a16="http://schemas.microsoft.com/office/drawing/2014/main" id="{D168D098-70AE-2047-0211-5A11E04FD5EB}"/>
+              </a:ext>
+            </a:extLst>
+          </p:cNvPr>
+          <p:cNvSpPr>
+            <a:spLocks noGrp="1"/>
+          </p:cNvSpPr>
+          <p:nvPr>
+            <p:ph idx="1"/>
+          </p:nvPr>
+        </p:nvSpPr>
+        <p:spPr>
+          <a:xfrm>
+            <a:off x="7857492" y="3041780"/>
+            <a:ext cx="3656419" cy="3581400"/>
+          </a:xfrm>
+        </p:spPr>
+        <p:txBody>
+          <a:bodyPr>
+            <a:normAutofit/>
+          </a:bodyPr>
+          <a:lstStyle/>
+          <a:p>
+            <a:r>
+              <a:rPr lang="hu-HU" dirty="0"/>
+              <a:t>Senki sem szeret </a:t>
+            </a:r>
+            <a:r>
+              <a:rPr lang="hu-HU"/>
+              <a:t>hidegben biciklizni</a:t>
+            </a:r>
+            <a:endParaRPr lang="en-US" dirty="0"/>
+          </a:p>
+        </p:txBody>
+      </p:sp>
+    </p:spTree>
+    <p:extLst>
+      <p:ext uri="{BB962C8B-B14F-4D97-AF65-F5344CB8AC3E}">
+        <p14:creationId xmlns:p14="http://schemas.microsoft.com/office/powerpoint/2010/main" val="2031444877"/>
+      </p:ext>
+    </p:extLst>
+  </p:cSld>
+  <p:clrMapOvr>
+    <a:masterClrMapping/>
+  </p:clrMapOvr>
+</p:sld>
+</file>
+
+<file path=ppt/slides/slide9.xml><?xml version="1.0" encoding="utf-8"?>
+<p:sld xmlns:a="http://schemas.openxmlformats.org/drawingml/2006/main" xmlns:r="http://schemas.openxmlformats.org/officeDocument/2006/relationships" xmlns:p="http://schemas.openxmlformats.org/presentationml/2006/main">
+  <p:cSld>
+    <p:bg>
+      <p:bgPr>
+        <a:solidFill>
+          <a:schemeClr val="bg2"/>
+        </a:solidFill>
+        <a:effectLst/>
+      </p:bgPr>
+    </p:bg>
+    <p:spTree>
+      <p:nvGrpSpPr>
+        <p:cNvPr id="1" name=""/>
+        <p:cNvGrpSpPr/>
+        <p:nvPr/>
+      </p:nvGrpSpPr>
+      <p:grpSpPr>
+        <a:xfrm>
+          <a:off x="0" y="0"/>
+          <a:ext cx="0" cy="0"/>
+          <a:chOff x="0" y="0"/>
+          <a:chExt cx="0" cy="0"/>
+        </a:xfrm>
+      </p:grpSpPr>
+      <p:sp>
+        <p:nvSpPr>
+          <p:cNvPr id="2" name="Cím 1">
+            <a:extLst>
+              <a:ext uri="{FF2B5EF4-FFF2-40B4-BE49-F238E27FC236}">
+                <a16:creationId xmlns:a16="http://schemas.microsoft.com/office/drawing/2014/main" id="{331EC56D-0EB9-9CFF-E233-88474A6616AF}"/>
+              </a:ext>
+            </a:extLst>
+          </p:cNvPr>
+          <p:cNvSpPr>
+            <a:spLocks noGrp="1"/>
+          </p:cNvSpPr>
+          <p:nvPr>
+            <p:ph type="title"/>
+          </p:nvPr>
+        </p:nvSpPr>
+        <p:spPr>
+          <a:xfrm>
+            <a:off x="7860667" y="685800"/>
+            <a:ext cx="3656419" cy="1485900"/>
+          </a:xfrm>
+        </p:spPr>
+        <p:txBody>
+          <a:bodyPr>
+            <a:normAutofit/>
+          </a:bodyPr>
+          <a:lstStyle/>
+          <a:p>
+            <a:r>
+              <a:rPr lang="hu-HU" dirty="0"/>
+              <a:t>Közlekedés hullámai</a:t>
+            </a:r>
+          </a:p>
+        </p:txBody>
+      </p:sp>
+      <p:sp>
+        <p:nvSpPr>
+          <p:cNvPr id="12" name="Rectangle 11">
+            <a:extLst>
+              <a:ext uri="{FF2B5EF4-FFF2-40B4-BE49-F238E27FC236}">
+                <a16:creationId xmlns:a16="http://schemas.microsoft.com/office/drawing/2014/main" id="{5A4829B7-47EE-4685-ADC0-DE464C22A58B}"/>
+              </a:ext>
+              <a:ext uri="{C183D7F6-B498-43B3-948B-1728B52AA6E4}">
+                <adec:decorative xmlns:adec="http://schemas.microsoft.com/office/drawing/2017/decorative" val="1"/>
+              </a:ext>
+            </a:extLst>
+          </p:cNvPr>
+          <p:cNvSpPr>
+            <a:spLocks noGrp="1" noRot="1" noChangeAspect="1" noMove="1" noResize="1" noEditPoints="1" noAdjustHandles="1" noChangeArrowheads="1" noChangeShapeType="1" noTextEdit="1"/>
+          </p:cNvSpPr>
+          <p:nvPr>
+            <p:extLst>
+              <p:ext uri="{386F3935-93C4-4BCD-93E2-E3B085C9AB24}">
+                <p16:designElem xmlns:p16="http://schemas.microsoft.com/office/powerpoint/2015/main" val="1"/>
+              </p:ext>
+            </p:extLst>
+          </p:nvPr>
+        </p:nvSpPr>
+        <p:spPr>
+          <a:xfrm>
+            <a:off x="478095" y="376"/>
+            <a:ext cx="228600" cy="6858000"/>
+          </a:xfrm>
+          <a:prstGeom prst="rect">
+            <a:avLst/>
+          </a:prstGeom>
+          <a:solidFill>
+            <a:schemeClr val="tx2"/>
+          </a:solidFill>
+          <a:ln>
+            <a:noFill/>
+          </a:ln>
+        </p:spPr>
+        <p:style>
+          <a:lnRef idx="2">
+            <a:schemeClr val="accent1">
+              <a:shade val="50000"/>
+            </a:schemeClr>
+          </a:lnRef>
+          <a:fillRef idx="1">
+            <a:schemeClr val="accent1"/>
+          </a:fillRef>
+          <a:effectRef idx="0">
+            <a:schemeClr val="accent1"/>
+          </a:effectRef>
+          <a:fontRef idx="minor">
+            <a:schemeClr val="lt1"/>
+          </a:fontRef>
+        </p:style>
+      </p:sp>
+      <p:sp>
+        <p:nvSpPr>
+          <p:cNvPr id="9" name="Content Placeholder 8">
+            <a:extLst>
+              <a:ext uri="{FF2B5EF4-FFF2-40B4-BE49-F238E27FC236}">
+                <a16:creationId xmlns:a16="http://schemas.microsoft.com/office/drawing/2014/main" id="{20561CB1-E859-9EE1-E19E-E706E4E87191}"/>
+              </a:ext>
+            </a:extLst>
+          </p:cNvPr>
+          <p:cNvSpPr>
+            <a:spLocks noGrp="1"/>
+          </p:cNvSpPr>
+          <p:nvPr>
+            <p:ph idx="1"/>
+          </p:nvPr>
+        </p:nvSpPr>
+        <p:spPr>
+          <a:xfrm>
+            <a:off x="7860667" y="2286000"/>
+            <a:ext cx="3656419" cy="3581400"/>
+          </a:xfrm>
+        </p:spPr>
+        <p:txBody>
+          <a:bodyPr>
+            <a:normAutofit/>
+          </a:bodyPr>
+          <a:lstStyle/>
+          <a:p>
+            <a:r>
+              <a:rPr lang="hu-HU" dirty="0"/>
+              <a:t>Jól megfigyelhető a reggeli, és esti ingázás hatásai</a:t>
+            </a:r>
+          </a:p>
+          <a:p>
+            <a:r>
+              <a:rPr lang="hu-HU" dirty="0"/>
+              <a:t>Nincsen kiugró éjszakai használat, de jelentősen belenyúl az estébe</a:t>
+            </a:r>
+            <a:endParaRPr lang="en-US" dirty="0"/>
+          </a:p>
+        </p:txBody>
+      </p:sp>
+      <p:pic>
+        <p:nvPicPr>
+          <p:cNvPr id="7" name="Kép 6">
+            <a:extLst>
+              <a:ext uri="{FF2B5EF4-FFF2-40B4-BE49-F238E27FC236}">
+                <a16:creationId xmlns:a16="http://schemas.microsoft.com/office/drawing/2014/main" id="{47A98AB7-041B-541B-5BF5-B539AB465363}"/>
+              </a:ext>
+            </a:extLst>
+          </p:cNvPr>
+          <p:cNvPicPr>
+            <a:picLocks noChangeAspect="1"/>
+          </p:cNvPicPr>
+          <p:nvPr/>
+        </p:nvPicPr>
+        <p:blipFill>
+          <a:blip r:embed="rId2"/>
+          <a:stretch>
+            <a:fillRect/>
+          </a:stretch>
+        </p:blipFill>
+        <p:spPr>
+          <a:xfrm>
+            <a:off x="1072212" y="685800"/>
+            <a:ext cx="6518244" cy="5530632"/>
+          </a:xfrm>
+          <a:prstGeom prst="rect">
+            <a:avLst/>
+          </a:prstGeom>
+        </p:spPr>
+      </p:pic>
+    </p:spTree>
+    <p:extLst>
+      <p:ext uri="{BB962C8B-B14F-4D97-AF65-F5344CB8AC3E}">
+        <p14:creationId xmlns:p14="http://schemas.microsoft.com/office/powerpoint/2010/main" val="1661986665"/>
       </p:ext>
     </p:extLst>
   </p:cSld>
@@ -4677,4 +7533,260 @@
     </a:ext>
   </a:extLst>
 </a:theme>
+</file>
+
+<file path=customXml/item1.xml><?xml version="1.0" encoding="utf-8"?>
+<p:properties xmlns:p="http://schemas.microsoft.com/office/2006/metadata/properties" xmlns:xsi="http://www.w3.org/2001/XMLSchema-instance" xmlns:pc="http://schemas.microsoft.com/office/infopath/2007/PartnerControls">
+  <documentManagement>
+    <_activity xmlns="2a0e8781-9df0-4b8b-9242-bffb2df73301" xsi:nil="true"/>
+  </documentManagement>
+</p:properties>
+</file>
+
+<file path=customXml/item2.xml><?xml version="1.0" encoding="utf-8"?>
+<?mso-contentType ?>
+<FormTemplates xmlns="http://schemas.microsoft.com/sharepoint/v3/contenttype/forms">
+  <Display>DocumentLibraryForm</Display>
+  <Edit>DocumentLibraryForm</Edit>
+  <New>DocumentLibraryForm</New>
+</FormTemplates>
+</file>
+
+<file path=customXml/item3.xml><?xml version="1.0" encoding="utf-8"?>
+<ct:contentTypeSchema xmlns:ct="http://schemas.microsoft.com/office/2006/metadata/contentType" xmlns:ma="http://schemas.microsoft.com/office/2006/metadata/properties/metaAttributes" ct:_="" ma:_="" ma:contentTypeName="Dokumentum" ma:contentTypeID="0x010100B80E2C3CFB4DCF44839A0365BB1CAF7F" ma:contentTypeVersion="9" ma:contentTypeDescription="Új dokumentum létrehozása." ma:contentTypeScope="" ma:versionID="2420822755b1ef96b304dae60b9d94e0">
+  <xsd:schema xmlns:xsd="http://www.w3.org/2001/XMLSchema" xmlns:xs="http://www.w3.org/2001/XMLSchema" xmlns:p="http://schemas.microsoft.com/office/2006/metadata/properties" xmlns:ns3="2a0e8781-9df0-4b8b-9242-bffb2df73301" xmlns:ns4="8ddbfc28-b1fe-4c5b-80ed-306809266892" targetNamespace="http://schemas.microsoft.com/office/2006/metadata/properties" ma:root="true" ma:fieldsID="affb131fd8c27c6fb2597e31623756b7" ns3:_="" ns4:_="">
+    <xsd:import namespace="2a0e8781-9df0-4b8b-9242-bffb2df73301"/>
+    <xsd:import namespace="8ddbfc28-b1fe-4c5b-80ed-306809266892"/>
+    <xsd:element name="properties">
+      <xsd:complexType>
+        <xsd:sequence>
+          <xsd:element name="documentManagement">
+            <xsd:complexType>
+              <xsd:all>
+                <xsd:element ref="ns3:MediaServiceMetadata" minOccurs="0"/>
+                <xsd:element ref="ns3:MediaServiceFastMetadata" minOccurs="0"/>
+                <xsd:element ref="ns4:SharedWithUsers" minOccurs="0"/>
+                <xsd:element ref="ns4:SharedWithDetails" minOccurs="0"/>
+                <xsd:element ref="ns4:SharingHintHash" minOccurs="0"/>
+                <xsd:element ref="ns3:MediaServiceAutoTags" minOccurs="0"/>
+                <xsd:element ref="ns3:MediaServiceGenerationTime" minOccurs="0"/>
+                <xsd:element ref="ns3:MediaServiceEventHashCode" minOccurs="0"/>
+                <xsd:element ref="ns3:_activity" minOccurs="0"/>
+              </xsd:all>
+            </xsd:complexType>
+          </xsd:element>
+        </xsd:sequence>
+      </xsd:complexType>
+    </xsd:element>
+  </xsd:schema>
+  <xsd:schema xmlns:xsd="http://www.w3.org/2001/XMLSchema" xmlns:xs="http://www.w3.org/2001/XMLSchema" xmlns:dms="http://schemas.microsoft.com/office/2006/documentManagement/types" xmlns:pc="http://schemas.microsoft.com/office/infopath/2007/PartnerControls" targetNamespace="2a0e8781-9df0-4b8b-9242-bffb2df73301" elementFormDefault="qualified">
+    <xsd:import namespace="http://schemas.microsoft.com/office/2006/documentManagement/types"/>
+    <xsd:import namespace="http://schemas.microsoft.com/office/infopath/2007/PartnerControls"/>
+    <xsd:element name="MediaServiceMetadata" ma:index="8" nillable="true" ma:displayName="MediaServiceMetadata" ma:hidden="true" ma:internalName="MediaServiceMetadata" ma:readOnly="true">
+      <xsd:simpleType>
+        <xsd:restriction base="dms:Note"/>
+      </xsd:simpleType>
+    </xsd:element>
+    <xsd:element name="MediaServiceFastMetadata" ma:index="9" nillable="true" ma:displayName="MediaServiceFastMetadata" ma:hidden="true" ma:internalName="MediaServiceFastMetadata" ma:readOnly="true">
+      <xsd:simpleType>
+        <xsd:restriction base="dms:Note"/>
+      </xsd:simpleType>
+    </xsd:element>
+    <xsd:element name="MediaServiceAutoTags" ma:index="13" nillable="true" ma:displayName="Tags" ma:internalName="MediaServiceAutoTags" ma:readOnly="true">
+      <xsd:simpleType>
+        <xsd:restriction base="dms:Text"/>
+      </xsd:simpleType>
+    </xsd:element>
+    <xsd:element name="MediaServiceGenerationTime" ma:index="14" nillable="true" ma:displayName="MediaServiceGenerationTime" ma:hidden="true" ma:internalName="MediaServiceGenerationTime" ma:readOnly="true">
+      <xsd:simpleType>
+        <xsd:restriction base="dms:Text"/>
+      </xsd:simpleType>
+    </xsd:element>
+    <xsd:element name="MediaServiceEventHashCode" ma:index="15" nillable="true" ma:displayName="MediaServiceEventHashCode" ma:hidden="true" ma:internalName="MediaServiceEventHashCode" ma:readOnly="true">
+      <xsd:simpleType>
+        <xsd:restriction base="dms:Text"/>
+      </xsd:simpleType>
+    </xsd:element>
+    <xsd:element name="_activity" ma:index="16" nillable="true" ma:displayName="_activity" ma:hidden="true" ma:internalName="_activity">
+      <xsd:simpleType>
+        <xsd:restriction base="dms:Note"/>
+      </xsd:simpleType>
+    </xsd:element>
+  </xsd:schema>
+  <xsd:schema xmlns:xsd="http://www.w3.org/2001/XMLSchema" xmlns:xs="http://www.w3.org/2001/XMLSchema" xmlns:dms="http://schemas.microsoft.com/office/2006/documentManagement/types" xmlns:pc="http://schemas.microsoft.com/office/infopath/2007/PartnerControls" targetNamespace="8ddbfc28-b1fe-4c5b-80ed-306809266892" elementFormDefault="qualified">
+    <xsd:import namespace="http://schemas.microsoft.com/office/2006/documentManagement/types"/>
+    <xsd:import namespace="http://schemas.microsoft.com/office/infopath/2007/PartnerControls"/>
+    <xsd:element name="SharedWithUsers" ma:index="10" nillable="true" ma:displayName="Résztvevők" ma:internalName="SharedWithUsers" ma:readOnly="true">
+      <xsd:complexType>
+        <xsd:complexContent>
+          <xsd:extension base="dms:UserMulti">
+            <xsd:sequence>
+              <xsd:element name="UserInfo" minOccurs="0" maxOccurs="unbounded">
+                <xsd:complexType>
+                  <xsd:sequence>
+                    <xsd:element name="DisplayName" type="xsd:string" minOccurs="0"/>
+                    <xsd:element name="AccountId" type="dms:UserId" minOccurs="0" nillable="true"/>
+                    <xsd:element name="AccountType" type="xsd:string" minOccurs="0"/>
+                  </xsd:sequence>
+                </xsd:complexType>
+              </xsd:element>
+            </xsd:sequence>
+          </xsd:extension>
+        </xsd:complexContent>
+      </xsd:complexType>
+    </xsd:element>
+    <xsd:element name="SharedWithDetails" ma:index="11" nillable="true" ma:displayName="Megosztva részletekkel" ma:internalName="SharedWithDetails" ma:readOnly="true">
+      <xsd:simpleType>
+        <xsd:restriction base="dms:Note">
+          <xsd:maxLength value="255"/>
+        </xsd:restriction>
+      </xsd:simpleType>
+    </xsd:element>
+    <xsd:element name="SharingHintHash" ma:index="12" nillable="true" ma:displayName="Megosztási tipp kivonata" ma:hidden="true" ma:internalName="SharingHintHash" ma:readOnly="true">
+      <xsd:simpleType>
+        <xsd:restriction base="dms:Text"/>
+      </xsd:simpleType>
+    </xsd:element>
+  </xsd:schema>
+  <xsd:schema xmlns="http://schemas.openxmlformats.org/package/2006/metadata/core-properties" xmlns:xsd="http://www.w3.org/2001/XMLSchema" xmlns:xsi="http://www.w3.org/2001/XMLSchema-instance" xmlns:dc="http://purl.org/dc/elements/1.1/" xmlns:dcterms="http://purl.org/dc/terms/" xmlns:odoc="http://schemas.microsoft.com/internal/obd" targetNamespace="http://schemas.openxmlformats.org/package/2006/metadata/core-properties" elementFormDefault="qualified" attributeFormDefault="unqualified" blockDefault="#all">
+    <xsd:import namespace="http://purl.org/dc/elements/1.1/" schemaLocation="http://dublincore.org/schemas/xmls/qdc/2003/04/02/dc.xsd"/>
+    <xsd:import namespace="http://purl.org/dc/terms/" schemaLocation="http://dublincore.org/schemas/xmls/qdc/2003/04/02/dcterms.xsd"/>
+    <xsd:element name="coreProperties" type="CT_coreProperties"/>
+    <xsd:complexType name="CT_coreProperties">
+      <xsd:all>
+        <xsd:element ref="dc:creator" minOccurs="0" maxOccurs="1"/>
+        <xsd:element ref="dcterms:created" minOccurs="0" maxOccurs="1"/>
+        <xsd:element ref="dc:identifier" minOccurs="0" maxOccurs="1"/>
+        <xsd:element name="contentType" minOccurs="0" maxOccurs="1" type="xsd:string" ma:index="0" ma:displayName="Tartalomtípus"/>
+        <xsd:element ref="dc:title" minOccurs="0" maxOccurs="1" ma:index="4" ma:displayName="Cím"/>
+        <xsd:element ref="dc:subject" minOccurs="0" maxOccurs="1"/>
+        <xsd:element ref="dc:description" minOccurs="0" maxOccurs="1"/>
+        <xsd:element name="keywords" minOccurs="0" maxOccurs="1" type="xsd:string"/>
+        <xsd:element ref="dc:language" minOccurs="0" maxOccurs="1"/>
+        <xsd:element name="category" minOccurs="0" maxOccurs="1" type="xsd:string"/>
+        <xsd:element name="version" minOccurs="0" maxOccurs="1" type="xsd:string"/>
+        <xsd:element name="revision" minOccurs="0" maxOccurs="1" type="xsd:string">
+          <xsd:annotation>
+            <xsd:documentation>
+                        This value indicates the number of saves or revisions. The application is responsible for updating this value after each revision.
+                    </xsd:documentation>
+          </xsd:annotation>
+        </xsd:element>
+        <xsd:element name="lastModifiedBy" minOccurs="0" maxOccurs="1" type="xsd:string"/>
+        <xsd:element ref="dcterms:modified" minOccurs="0" maxOccurs="1"/>
+        <xsd:element name="contentStatus" minOccurs="0" maxOccurs="1" type="xsd:string"/>
+      </xsd:all>
+    </xsd:complexType>
+  </xsd:schema>
+  <xs:schema xmlns:pc="http://schemas.microsoft.com/office/infopath/2007/PartnerControls" xmlns:xs="http://www.w3.org/2001/XMLSchema" targetNamespace="http://schemas.microsoft.com/office/infopath/2007/PartnerControls" elementFormDefault="qualified" attributeFormDefault="unqualified">
+    <xs:element name="Person">
+      <xs:complexType>
+        <xs:sequence>
+          <xs:element ref="pc:DisplayName" minOccurs="0"/>
+          <xs:element ref="pc:AccountId" minOccurs="0"/>
+          <xs:element ref="pc:AccountType" minOccurs="0"/>
+        </xs:sequence>
+      </xs:complexType>
+    </xs:element>
+    <xs:element name="DisplayName" type="xs:string"/>
+    <xs:element name="AccountId" type="xs:string"/>
+    <xs:element name="AccountType" type="xs:string"/>
+    <xs:element name="BDCAssociatedEntity">
+      <xs:complexType>
+        <xs:sequence>
+          <xs:element ref="pc:BDCEntity" minOccurs="0" maxOccurs="unbounded"/>
+        </xs:sequence>
+        <xs:attribute ref="pc:EntityNamespace"/>
+        <xs:attribute ref="pc:EntityName"/>
+        <xs:attribute ref="pc:SystemInstanceName"/>
+        <xs:attribute ref="pc:AssociationName"/>
+      </xs:complexType>
+    </xs:element>
+    <xs:attribute name="EntityNamespace" type="xs:string"/>
+    <xs:attribute name="EntityName" type="xs:string"/>
+    <xs:attribute name="SystemInstanceName" type="xs:string"/>
+    <xs:attribute name="AssociationName" type="xs:string"/>
+    <xs:element name="BDCEntity">
+      <xs:complexType>
+        <xs:sequence>
+          <xs:element ref="pc:EntityDisplayName" minOccurs="0"/>
+          <xs:element ref="pc:EntityInstanceReference" minOccurs="0"/>
+          <xs:element ref="pc:EntityId1" minOccurs="0"/>
+          <xs:element ref="pc:EntityId2" minOccurs="0"/>
+          <xs:element ref="pc:EntityId3" minOccurs="0"/>
+          <xs:element ref="pc:EntityId4" minOccurs="0"/>
+          <xs:element ref="pc:EntityId5" minOccurs="0"/>
+        </xs:sequence>
+      </xs:complexType>
+    </xs:element>
+    <xs:element name="EntityDisplayName" type="xs:string"/>
+    <xs:element name="EntityInstanceReference" type="xs:string"/>
+    <xs:element name="EntityId1" type="xs:string"/>
+    <xs:element name="EntityId2" type="xs:string"/>
+    <xs:element name="EntityId3" type="xs:string"/>
+    <xs:element name="EntityId4" type="xs:string"/>
+    <xs:element name="EntityId5" type="xs:string"/>
+    <xs:element name="Terms">
+      <xs:complexType>
+        <xs:sequence>
+          <xs:element ref="pc:TermInfo" minOccurs="0" maxOccurs="unbounded"/>
+        </xs:sequence>
+      </xs:complexType>
+    </xs:element>
+    <xs:element name="TermInfo">
+      <xs:complexType>
+        <xs:sequence>
+          <xs:element ref="pc:TermName" minOccurs="0"/>
+          <xs:element ref="pc:TermId" minOccurs="0"/>
+        </xs:sequence>
+      </xs:complexType>
+    </xs:element>
+    <xs:element name="TermName" type="xs:string"/>
+    <xs:element name="TermId" type="xs:string"/>
+  </xs:schema>
+</ct:contentTypeSchema>
+</file>
+
+<file path=customXml/itemProps1.xml><?xml version="1.0" encoding="utf-8"?>
+<ds:datastoreItem xmlns:ds="http://schemas.openxmlformats.org/officeDocument/2006/customXml" ds:itemID="{9471C055-2FB4-41C5-8FEE-3ADC6986A382}">
+  <ds:schemaRefs>
+    <ds:schemaRef ds:uri="http://www.w3.org/XML/1998/namespace"/>
+    <ds:schemaRef ds:uri="http://schemas.microsoft.com/office/2006/metadata/properties"/>
+    <ds:schemaRef ds:uri="http://schemas.microsoft.com/office/2006/documentManagement/types"/>
+    <ds:schemaRef ds:uri="2a0e8781-9df0-4b8b-9242-bffb2df73301"/>
+    <ds:schemaRef ds:uri="http://schemas.microsoft.com/office/infopath/2007/PartnerControls"/>
+    <ds:schemaRef ds:uri="http://schemas.openxmlformats.org/package/2006/metadata/core-properties"/>
+    <ds:schemaRef ds:uri="http://purl.org/dc/dcmitype/"/>
+    <ds:schemaRef ds:uri="8ddbfc28-b1fe-4c5b-80ed-306809266892"/>
+    <ds:schemaRef ds:uri="http://purl.org/dc/terms/"/>
+    <ds:schemaRef ds:uri="http://purl.org/dc/elements/1.1/"/>
+  </ds:schemaRefs>
+</ds:datastoreItem>
+</file>
+
+<file path=customXml/itemProps2.xml><?xml version="1.0" encoding="utf-8"?>
+<ds:datastoreItem xmlns:ds="http://schemas.openxmlformats.org/officeDocument/2006/customXml" ds:itemID="{662C56F4-FE70-44F6-9811-A6AB93ADBB10}">
+  <ds:schemaRefs>
+    <ds:schemaRef ds:uri="http://schemas.microsoft.com/sharepoint/v3/contenttype/forms"/>
+  </ds:schemaRefs>
+</ds:datastoreItem>
+</file>
+
+<file path=customXml/itemProps3.xml><?xml version="1.0" encoding="utf-8"?>
+<ds:datastoreItem xmlns:ds="http://schemas.openxmlformats.org/officeDocument/2006/customXml" ds:itemID="{30B76C74-517E-4E31-AC8F-DD8559C3415F}">
+  <ds:schemaRefs>
+    <ds:schemaRef ds:uri="http://schemas.microsoft.com/office/2006/metadata/contentType"/>
+    <ds:schemaRef ds:uri="http://schemas.microsoft.com/office/2006/metadata/properties/metaAttributes"/>
+    <ds:schemaRef ds:uri="http://www.w3.org/2001/XMLSchema"/>
+    <ds:schemaRef ds:uri="http://schemas.microsoft.com/office/2006/metadata/properties"/>
+    <ds:schemaRef ds:uri="2a0e8781-9df0-4b8b-9242-bffb2df73301"/>
+    <ds:schemaRef ds:uri="8ddbfc28-b1fe-4c5b-80ed-306809266892"/>
+    <ds:schemaRef ds:uri="http://schemas.microsoft.com/office/2006/documentManagement/types"/>
+    <ds:schemaRef ds:uri="http://schemas.microsoft.com/office/infopath/2007/PartnerControls"/>
+    <ds:schemaRef ds:uri="http://schemas.openxmlformats.org/package/2006/metadata/core-properties"/>
+    <ds:schemaRef ds:uri="http://purl.org/dc/elements/1.1/"/>
+    <ds:schemaRef ds:uri="http://purl.org/dc/terms/"/>
+    <ds:schemaRef ds:uri="http://schemas.microsoft.com/internal/obd"/>
+  </ds:schemaRefs>
+</ds:datastoreItem>
 </file>